--- a/R Workshop 2 (Graphics).pptx
+++ b/R Workshop 2 (Graphics).pptx
@@ -1097,7 +1097,6 @@
         </p:txBody>
       </p:sp>
     </p:spTree>
-    <p:extLst/>
   </p:cSld>
   <p:clrMapOvr>
     <a:masterClrMapping/>
@@ -1282,7 +1281,6 @@
         </p:txBody>
       </p:sp>
     </p:spTree>
-    <p:extLst/>
   </p:cSld>
   <p:clrMapOvr>
     <a:masterClrMapping/>
@@ -1467,7 +1465,6 @@
         </p:txBody>
       </p:sp>
     </p:spTree>
-    <p:extLst/>
   </p:cSld>
   <p:clrMapOvr>
     <a:masterClrMapping/>
@@ -1840,7 +1837,6 @@
         </p:txBody>
       </p:sp>
     </p:spTree>
-    <p:extLst/>
   </p:cSld>
   <p:clrMapOvr>
     <a:masterClrMapping/>
@@ -1857,7 +1853,7 @@
       </p:transition>
     </mc:Fallback>
   </mc:AlternateContent>
-  <p:extLst mod="1">
+  <p:extLst>
     <p:ext uri="{DCECCB84-F9BA-43D5-87BE-67443E8EF086}">
       <p15:sldGuideLst xmlns:p15="http://schemas.microsoft.com/office/powerpoint/2012/main">
         <p15:guide id="1" orient="horz" pos="2160">
@@ -2137,7 +2133,6 @@
         </p:txBody>
       </p:sp>
     </p:spTree>
-    <p:extLst/>
   </p:cSld>
   <p:clrMapOvr>
     <a:overrideClrMapping bg1="lt1" tx1="dk1" bg2="lt2" tx2="dk2" accent1="accent1" accent2="accent2" accent3="accent3" accent4="accent4" accent5="accent5" accent6="accent6" hlink="hlink" folHlink="folHlink"/>
@@ -2434,7 +2429,6 @@
         </p:txBody>
       </p:sp>
     </p:spTree>
-    <p:extLst/>
   </p:cSld>
   <p:clrMapOvr>
     <a:masterClrMapping/>
@@ -2879,7 +2873,6 @@
         </p:txBody>
       </p:sp>
     </p:spTree>
-    <p:extLst/>
   </p:cSld>
   <p:clrMapOvr>
     <a:masterClrMapping/>
@@ -3002,7 +2995,6 @@
         </p:txBody>
       </p:sp>
     </p:spTree>
-    <p:extLst/>
   </p:cSld>
   <p:clrMapOvr>
     <a:masterClrMapping/>
@@ -3241,7 +3233,6 @@
         </p:txBody>
       </p:sp>
     </p:spTree>
-    <p:extLst/>
   </p:cSld>
   <p:clrMapOvr>
     <a:masterClrMapping/>
@@ -3671,7 +3662,6 @@
         </p:txBody>
       </p:sp>
     </p:spTree>
-    <p:extLst/>
   </p:cSld>
   <p:clrMapOvr>
     <a:masterClrMapping/>
@@ -4087,7 +4077,6 @@
         </p:txBody>
       </p:sp>
     </p:spTree>
-    <p:extLst/>
   </p:cSld>
   <p:clrMapOvr>
     <a:masterClrMapping/>
@@ -4839,7 +4828,7 @@
       </a:lvl9pPr>
     </p:otherStyle>
   </p:txStyles>
-  <p:extLst mod="1">
+  <p:extLst>
     <p:ext uri="{27BBF7A9-308A-43DC-89C8-2F10F3537804}">
       <p15:sldGuideLst xmlns:p15="http://schemas.microsoft.com/office/powerpoint/2012/main">
         <p15:guide id="1" orient="horz" pos="2160">
@@ -4940,7 +4929,7 @@
             </a:br>
             <a:r>
               <a:rPr lang="en-GB" sz="2800" dirty="0"/>
-              <a:t>In development</a:t>
+              <a:t>Advanced Graphics</a:t>
             </a:r>
             <a:endParaRPr lang="en-GB" altLang="en-US" sz="2800" dirty="0"/>
           </a:p>
@@ -5207,10 +5196,9 @@
           </a:p>
           <a:p>
             <a:r>
-              <a:rPr lang="en-GB" altLang="en-US" sz="1200" b="1"/>
-              <a:t>CTLLT2, Friday 14.00-17.00</a:t>
-            </a:r>
-            <a:endParaRPr lang="en-GB" altLang="en-US" sz="1200" b="1" dirty="0"/>
+              <a:rPr lang="en-GB" altLang="en-US" sz="1200" b="1" dirty="0"/>
+              <a:t>Development Slides</a:t>
+            </a:r>
           </a:p>
         </p:txBody>
       </p:sp>
@@ -5307,9 +5295,7 @@
             <p:nvPr/>
           </p:nvPicPr>
           <p:blipFill>
-            <a:blip r:embed="rId2">
-              <a:extLst/>
-            </a:blip>
+            <a:blip r:embed="rId2"/>
             <a:srcRect l="93441" b="66539"/>
             <a:stretch>
               <a:fillRect/>
@@ -5386,7 +5372,7 @@
           </a:prstGeom>
           <a:extLst>
             <a:ext uri="{C572A759-6A51-4108-AA02-DFA0A04FC94B}">
-              <ma14:wrappingTextBoxFlag xmlns:ma14="http://schemas.microsoft.com/office/mac/drawingml/2011/main" xmlns="" val="1"/>
+              <ma14:wrappingTextBoxFlag xmlns="" xmlns:ma14="http://schemas.microsoft.com/office/mac/drawingml/2011/main" val="1"/>
             </a:ext>
           </a:extLst>
         </p:spPr>
@@ -5432,7 +5418,7 @@
           </a:ln>
           <a:extLst>
             <a:ext uri="{C572A759-6A51-4108-AA02-DFA0A04FC94B}">
-              <ma14:wrappingTextBoxFlag xmlns:ma14="http://schemas.microsoft.com/office/mac/drawingml/2011/main" xmlns="" val="1"/>
+              <ma14:wrappingTextBoxFlag xmlns="" xmlns:ma14="http://schemas.microsoft.com/office/mac/drawingml/2011/main" val="1"/>
             </a:ext>
           </a:extLst>
         </p:spPr>
@@ -5854,9 +5840,7 @@
             <p:nvPr/>
           </p:nvPicPr>
           <p:blipFill>
-            <a:blip r:embed="rId2">
-              <a:extLst/>
-            </a:blip>
+            <a:blip r:embed="rId2"/>
             <a:srcRect l="93441" b="66539"/>
             <a:stretch>
               <a:fillRect/>
@@ -5929,7 +5913,7 @@
           </a:prstGeom>
           <a:extLst>
             <a:ext uri="{C572A759-6A51-4108-AA02-DFA0A04FC94B}">
-              <ma14:wrappingTextBoxFlag xmlns:ma14="http://schemas.microsoft.com/office/mac/drawingml/2011/main" xmlns="" val="1"/>
+              <ma14:wrappingTextBoxFlag xmlns="" xmlns:ma14="http://schemas.microsoft.com/office/mac/drawingml/2011/main" val="1"/>
             </a:ext>
           </a:extLst>
         </p:spPr>
@@ -5975,7 +5959,7 @@
           </a:ln>
           <a:extLst>
             <a:ext uri="{C572A759-6A51-4108-AA02-DFA0A04FC94B}">
-              <ma14:wrappingTextBoxFlag xmlns:ma14="http://schemas.microsoft.com/office/mac/drawingml/2011/main" xmlns="" val="1"/>
+              <ma14:wrappingTextBoxFlag xmlns="" xmlns:ma14="http://schemas.microsoft.com/office/mac/drawingml/2011/main" val="1"/>
             </a:ext>
           </a:extLst>
         </p:spPr>
@@ -6455,9 +6439,7 @@
             <p:nvPr/>
           </p:nvPicPr>
           <p:blipFill>
-            <a:blip r:embed="rId2">
-              <a:extLst/>
-            </a:blip>
+            <a:blip r:embed="rId2"/>
             <a:srcRect l="93441" b="66539"/>
             <a:stretch>
               <a:fillRect/>
@@ -6530,7 +6512,7 @@
           </a:prstGeom>
           <a:extLst>
             <a:ext uri="{C572A759-6A51-4108-AA02-DFA0A04FC94B}">
-              <ma14:wrappingTextBoxFlag xmlns:ma14="http://schemas.microsoft.com/office/mac/drawingml/2011/main" xmlns="" val="1"/>
+              <ma14:wrappingTextBoxFlag xmlns="" xmlns:ma14="http://schemas.microsoft.com/office/mac/drawingml/2011/main" val="1"/>
             </a:ext>
           </a:extLst>
         </p:spPr>
@@ -6576,7 +6558,7 @@
           </a:ln>
           <a:extLst>
             <a:ext uri="{C572A759-6A51-4108-AA02-DFA0A04FC94B}">
-              <ma14:wrappingTextBoxFlag xmlns:ma14="http://schemas.microsoft.com/office/mac/drawingml/2011/main" xmlns="" val="1"/>
+              <ma14:wrappingTextBoxFlag xmlns="" xmlns:ma14="http://schemas.microsoft.com/office/mac/drawingml/2011/main" val="1"/>
             </a:ext>
           </a:extLst>
         </p:spPr>
@@ -7221,7 +7203,7 @@
           </a:prstGeom>
           <a:extLst>
             <a:ext uri="{C572A759-6A51-4108-AA02-DFA0A04FC94B}">
-              <ma14:wrappingTextBoxFlag xmlns:ma14="http://schemas.microsoft.com/office/mac/drawingml/2011/main" xmlns="" val="1"/>
+              <ma14:wrappingTextBoxFlag xmlns="" xmlns:ma14="http://schemas.microsoft.com/office/mac/drawingml/2011/main" val="1"/>
             </a:ext>
           </a:extLst>
         </p:spPr>
@@ -7339,7 +7321,7 @@
           </a:ln>
           <a:extLst>
             <a:ext uri="{C572A759-6A51-4108-AA02-DFA0A04FC94B}">
-              <ma14:wrappingTextBoxFlag xmlns:ma14="http://schemas.microsoft.com/office/mac/drawingml/2011/main" xmlns="" val="1"/>
+              <ma14:wrappingTextBoxFlag xmlns="" xmlns:ma14="http://schemas.microsoft.com/office/mac/drawingml/2011/main" val="1"/>
             </a:ext>
           </a:extLst>
         </p:spPr>
@@ -8121,7 +8103,7 @@
           </a:prstGeom>
           <a:extLst>
             <a:ext uri="{C572A759-6A51-4108-AA02-DFA0A04FC94B}">
-              <ma14:wrappingTextBoxFlag xmlns:ma14="http://schemas.microsoft.com/office/mac/drawingml/2011/main" xmlns="" val="1"/>
+              <ma14:wrappingTextBoxFlag xmlns="" xmlns:ma14="http://schemas.microsoft.com/office/mac/drawingml/2011/main" val="1"/>
             </a:ext>
           </a:extLst>
         </p:spPr>
@@ -8218,9 +8200,7 @@
             <p:nvPr/>
           </p:nvPicPr>
           <p:blipFill>
-            <a:blip r:embed="rId2">
-              <a:extLst/>
-            </a:blip>
+            <a:blip r:embed="rId2"/>
             <a:srcRect l="93441" b="66539"/>
             <a:stretch>
               <a:fillRect/>
@@ -8459,7 +8439,7 @@
           </a:prstGeom>
           <a:extLst>
             <a:ext uri="{C572A759-6A51-4108-AA02-DFA0A04FC94B}">
-              <ma14:wrappingTextBoxFlag xmlns:ma14="http://schemas.microsoft.com/office/mac/drawingml/2011/main" xmlns="" val="1"/>
+              <ma14:wrappingTextBoxFlag xmlns="" xmlns:ma14="http://schemas.microsoft.com/office/mac/drawingml/2011/main" val="1"/>
             </a:ext>
           </a:extLst>
         </p:spPr>
@@ -8563,9 +8543,7 @@
             <p:nvPr/>
           </p:nvPicPr>
           <p:blipFill>
-            <a:blip r:embed="rId2">
-              <a:extLst/>
-            </a:blip>
+            <a:blip r:embed="rId2"/>
             <a:srcRect l="93441" b="66539"/>
             <a:stretch>
               <a:fillRect/>
@@ -8632,7 +8610,7 @@
           </a:prstGeom>
           <a:extLst>
             <a:ext uri="{C572A759-6A51-4108-AA02-DFA0A04FC94B}">
-              <ma14:wrappingTextBoxFlag xmlns:ma14="http://schemas.microsoft.com/office/mac/drawingml/2011/main" xmlns="" val="1"/>
+              <ma14:wrappingTextBoxFlag xmlns="" xmlns:ma14="http://schemas.microsoft.com/office/mac/drawingml/2011/main" val="1"/>
             </a:ext>
           </a:extLst>
         </p:spPr>
@@ -8678,7 +8656,7 @@
           </a:ln>
           <a:extLst>
             <a:ext uri="{C572A759-6A51-4108-AA02-DFA0A04FC94B}">
-              <ma14:wrappingTextBoxFlag xmlns:ma14="http://schemas.microsoft.com/office/mac/drawingml/2011/main" xmlns="" val="1"/>
+              <ma14:wrappingTextBoxFlag xmlns="" xmlns:ma14="http://schemas.microsoft.com/office/mac/drawingml/2011/main" val="1"/>
             </a:ext>
           </a:extLst>
         </p:spPr>
@@ -8897,7 +8875,7 @@
           </a:ln>
           <a:extLst>
             <a:ext uri="{C572A759-6A51-4108-AA02-DFA0A04FC94B}">
-              <ma14:wrappingTextBoxFlag xmlns:ma14="http://schemas.microsoft.com/office/mac/drawingml/2011/main" xmlns="" val="1"/>
+              <ma14:wrappingTextBoxFlag xmlns="" xmlns:ma14="http://schemas.microsoft.com/office/mac/drawingml/2011/main" val="1"/>
             </a:ext>
           </a:extLst>
         </p:spPr>
@@ -9131,9 +9109,7 @@
             <p:nvPr/>
           </p:nvPicPr>
           <p:blipFill>
-            <a:blip r:embed="rId2">
-              <a:extLst/>
-            </a:blip>
+            <a:blip r:embed="rId2"/>
             <a:srcRect l="93441" b="66539"/>
             <a:stretch>
               <a:fillRect/>
@@ -9208,7 +9184,7 @@
           </a:prstGeom>
           <a:extLst>
             <a:ext uri="{C572A759-6A51-4108-AA02-DFA0A04FC94B}">
-              <ma14:wrappingTextBoxFlag xmlns:ma14="http://schemas.microsoft.com/office/mac/drawingml/2011/main" xmlns="" val="1"/>
+              <ma14:wrappingTextBoxFlag xmlns="" xmlns:ma14="http://schemas.microsoft.com/office/mac/drawingml/2011/main" val="1"/>
             </a:ext>
           </a:extLst>
         </p:spPr>
@@ -9254,7 +9230,7 @@
           </a:ln>
           <a:extLst>
             <a:ext uri="{C572A759-6A51-4108-AA02-DFA0A04FC94B}">
-              <ma14:wrappingTextBoxFlag xmlns:ma14="http://schemas.microsoft.com/office/mac/drawingml/2011/main" xmlns="" val="1"/>
+              <ma14:wrappingTextBoxFlag xmlns="" xmlns:ma14="http://schemas.microsoft.com/office/mac/drawingml/2011/main" val="1"/>
             </a:ext>
           </a:extLst>
         </p:spPr>
@@ -9440,7 +9416,7 @@
           </a:ln>
           <a:extLst>
             <a:ext uri="{C572A759-6A51-4108-AA02-DFA0A04FC94B}">
-              <ma14:wrappingTextBoxFlag xmlns:ma14="http://schemas.microsoft.com/office/mac/drawingml/2011/main" xmlns="" val="1"/>
+              <ma14:wrappingTextBoxFlag xmlns="" xmlns:ma14="http://schemas.microsoft.com/office/mac/drawingml/2011/main" val="1"/>
             </a:ext>
           </a:extLst>
         </p:spPr>
@@ -9511,7 +9487,7 @@
           </a:ln>
           <a:extLst>
             <a:ext uri="{C572A759-6A51-4108-AA02-DFA0A04FC94B}">
-              <ma14:wrappingTextBoxFlag xmlns:ma14="http://schemas.microsoft.com/office/mac/drawingml/2011/main" xmlns="" val="1"/>
+              <ma14:wrappingTextBoxFlag xmlns="" xmlns:ma14="http://schemas.microsoft.com/office/mac/drawingml/2011/main" val="1"/>
             </a:ext>
           </a:extLst>
         </p:spPr>
@@ -9790,9 +9766,7 @@
             <p:nvPr/>
           </p:nvPicPr>
           <p:blipFill>
-            <a:blip r:embed="rId2">
-              <a:extLst/>
-            </a:blip>
+            <a:blip r:embed="rId2"/>
             <a:srcRect l="93441" b="66539"/>
             <a:stretch>
               <a:fillRect/>
@@ -9859,7 +9833,7 @@
           </a:prstGeom>
           <a:extLst>
             <a:ext uri="{C572A759-6A51-4108-AA02-DFA0A04FC94B}">
-              <ma14:wrappingTextBoxFlag xmlns:ma14="http://schemas.microsoft.com/office/mac/drawingml/2011/main" xmlns="" val="1"/>
+              <ma14:wrappingTextBoxFlag xmlns="" xmlns:ma14="http://schemas.microsoft.com/office/mac/drawingml/2011/main" val="1"/>
             </a:ext>
           </a:extLst>
         </p:spPr>
@@ -9905,7 +9879,7 @@
           </a:ln>
           <a:extLst>
             <a:ext uri="{C572A759-6A51-4108-AA02-DFA0A04FC94B}">
-              <ma14:wrappingTextBoxFlag xmlns:ma14="http://schemas.microsoft.com/office/mac/drawingml/2011/main" xmlns="" val="1"/>
+              <ma14:wrappingTextBoxFlag xmlns="" xmlns:ma14="http://schemas.microsoft.com/office/mac/drawingml/2011/main" val="1"/>
             </a:ext>
           </a:extLst>
         </p:spPr>
@@ -10042,7 +10016,7 @@
           </a:ln>
           <a:extLst>
             <a:ext uri="{C572A759-6A51-4108-AA02-DFA0A04FC94B}">
-              <ma14:wrappingTextBoxFlag xmlns:ma14="http://schemas.microsoft.com/office/mac/drawingml/2011/main" xmlns="" val="1"/>
+              <ma14:wrappingTextBoxFlag xmlns="" xmlns:ma14="http://schemas.microsoft.com/office/mac/drawingml/2011/main" val="1"/>
             </a:ext>
           </a:extLst>
         </p:spPr>
@@ -10535,9 +10509,7 @@
             <p:nvPr/>
           </p:nvPicPr>
           <p:blipFill>
-            <a:blip r:embed="rId2">
-              <a:extLst/>
-            </a:blip>
+            <a:blip r:embed="rId2"/>
             <a:srcRect l="93441" b="66539"/>
             <a:stretch>
               <a:fillRect/>
@@ -10604,7 +10576,7 @@
           </a:prstGeom>
           <a:extLst>
             <a:ext uri="{C572A759-6A51-4108-AA02-DFA0A04FC94B}">
-              <ma14:wrappingTextBoxFlag xmlns:ma14="http://schemas.microsoft.com/office/mac/drawingml/2011/main" xmlns="" val="1"/>
+              <ma14:wrappingTextBoxFlag xmlns="" xmlns:ma14="http://schemas.microsoft.com/office/mac/drawingml/2011/main" val="1"/>
             </a:ext>
           </a:extLst>
         </p:spPr>
@@ -10650,7 +10622,7 @@
           </a:ln>
           <a:extLst>
             <a:ext uri="{C572A759-6A51-4108-AA02-DFA0A04FC94B}">
-              <ma14:wrappingTextBoxFlag xmlns:ma14="http://schemas.microsoft.com/office/mac/drawingml/2011/main" xmlns="" val="1"/>
+              <ma14:wrappingTextBoxFlag xmlns="" xmlns:ma14="http://schemas.microsoft.com/office/mac/drawingml/2011/main" val="1"/>
             </a:ext>
           </a:extLst>
         </p:spPr>
@@ -10793,7 +10765,7 @@
           </a:ln>
           <a:extLst>
             <a:ext uri="{C572A759-6A51-4108-AA02-DFA0A04FC94B}">
-              <ma14:wrappingTextBoxFlag xmlns:ma14="http://schemas.microsoft.com/office/mac/drawingml/2011/main" xmlns="" val="1"/>
+              <ma14:wrappingTextBoxFlag xmlns="" xmlns:ma14="http://schemas.microsoft.com/office/mac/drawingml/2011/main" val="1"/>
             </a:ext>
           </a:extLst>
         </p:spPr>
@@ -11049,9 +11021,7 @@
             <p:nvPr/>
           </p:nvPicPr>
           <p:blipFill>
-            <a:blip r:embed="rId2">
-              <a:extLst/>
-            </a:blip>
+            <a:blip r:embed="rId2"/>
             <a:srcRect l="93441" b="66539"/>
             <a:stretch>
               <a:fillRect/>
@@ -11118,7 +11088,7 @@
           </a:prstGeom>
           <a:extLst>
             <a:ext uri="{C572A759-6A51-4108-AA02-DFA0A04FC94B}">
-              <ma14:wrappingTextBoxFlag xmlns:ma14="http://schemas.microsoft.com/office/mac/drawingml/2011/main" xmlns="" val="1"/>
+              <ma14:wrappingTextBoxFlag xmlns="" xmlns:ma14="http://schemas.microsoft.com/office/mac/drawingml/2011/main" val="1"/>
             </a:ext>
           </a:extLst>
         </p:spPr>
@@ -11164,7 +11134,7 @@
           </a:ln>
           <a:extLst>
             <a:ext uri="{C572A759-6A51-4108-AA02-DFA0A04FC94B}">
-              <ma14:wrappingTextBoxFlag xmlns:ma14="http://schemas.microsoft.com/office/mac/drawingml/2011/main" xmlns="" val="1"/>
+              <ma14:wrappingTextBoxFlag xmlns="" xmlns:ma14="http://schemas.microsoft.com/office/mac/drawingml/2011/main" val="1"/>
             </a:ext>
           </a:extLst>
         </p:spPr>
@@ -11536,9 +11506,7 @@
             <p:nvPr/>
           </p:nvPicPr>
           <p:blipFill>
-            <a:blip r:embed="rId2">
-              <a:extLst/>
-            </a:blip>
+            <a:blip r:embed="rId2"/>
             <a:srcRect l="93441" b="66539"/>
             <a:stretch>
               <a:fillRect/>
@@ -11605,7 +11573,7 @@
           </a:prstGeom>
           <a:extLst>
             <a:ext uri="{C572A759-6A51-4108-AA02-DFA0A04FC94B}">
-              <ma14:wrappingTextBoxFlag xmlns:ma14="http://schemas.microsoft.com/office/mac/drawingml/2011/main" xmlns="" val="1"/>
+              <ma14:wrappingTextBoxFlag xmlns="" xmlns:ma14="http://schemas.microsoft.com/office/mac/drawingml/2011/main" val="1"/>
             </a:ext>
           </a:extLst>
         </p:spPr>
@@ -11646,7 +11614,7 @@
           </a:ln>
           <a:extLst>
             <a:ext uri="{C572A759-6A51-4108-AA02-DFA0A04FC94B}">
-              <ma14:wrappingTextBoxFlag xmlns:ma14="http://schemas.microsoft.com/office/mac/drawingml/2011/main" xmlns="" val="1"/>
+              <ma14:wrappingTextBoxFlag xmlns="" xmlns:ma14="http://schemas.microsoft.com/office/mac/drawingml/2011/main" val="1"/>
             </a:ext>
           </a:extLst>
         </p:spPr>
@@ -11708,7 +11676,7 @@
           </a:ln>
           <a:extLst>
             <a:ext uri="{C572A759-6A51-4108-AA02-DFA0A04FC94B}">
-              <ma14:wrappingTextBoxFlag xmlns:ma14="http://schemas.microsoft.com/office/mac/drawingml/2011/main" xmlns="" val="1"/>
+              <ma14:wrappingTextBoxFlag xmlns="" xmlns:ma14="http://schemas.microsoft.com/office/mac/drawingml/2011/main" val="1"/>
             </a:ext>
           </a:extLst>
         </p:spPr>
@@ -11799,7 +11767,7 @@
           </a:ln>
           <a:extLst>
             <a:ext uri="{C572A759-6A51-4108-AA02-DFA0A04FC94B}">
-              <ma14:wrappingTextBoxFlag xmlns:ma14="http://schemas.microsoft.com/office/mac/drawingml/2011/main" xmlns="" val="1"/>
+              <ma14:wrappingTextBoxFlag xmlns="" xmlns:ma14="http://schemas.microsoft.com/office/mac/drawingml/2011/main" val="1"/>
             </a:ext>
           </a:extLst>
         </p:spPr>
@@ -12070,7 +12038,7 @@
           </a:prstGeom>
           <a:extLst>
             <a:ext uri="{C572A759-6A51-4108-AA02-DFA0A04FC94B}">
-              <ma14:wrappingTextBoxFlag xmlns:ma14="http://schemas.microsoft.com/office/mac/drawingml/2011/main" xmlns="" val="1"/>
+              <ma14:wrappingTextBoxFlag xmlns="" xmlns:ma14="http://schemas.microsoft.com/office/mac/drawingml/2011/main" val="1"/>
             </a:ext>
           </a:extLst>
         </p:spPr>
@@ -12094,9 +12062,7 @@
           <p:nvPr/>
         </p:nvPicPr>
         <p:blipFill>
-          <a:blip r:embed="rId2">
-            <a:extLst/>
-          </a:blip>
+          <a:blip r:embed="rId2"/>
           <a:stretch>
             <a:fillRect/>
           </a:stretch>
@@ -12138,7 +12104,7 @@
           </a:ln>
           <a:extLst>
             <a:ext uri="{C572A759-6A51-4108-AA02-DFA0A04FC94B}">
-              <ma14:wrappingTextBoxFlag xmlns:ma14="http://schemas.microsoft.com/office/mac/drawingml/2011/main" xmlns="" val="1"/>
+              <ma14:wrappingTextBoxFlag xmlns="" xmlns:ma14="http://schemas.microsoft.com/office/mac/drawingml/2011/main" val="1"/>
             </a:ext>
           </a:extLst>
         </p:spPr>
@@ -12208,7 +12174,7 @@
           </a:ln>
           <a:extLst>
             <a:ext uri="{C572A759-6A51-4108-AA02-DFA0A04FC94B}">
-              <ma14:wrappingTextBoxFlag xmlns:ma14="http://schemas.microsoft.com/office/mac/drawingml/2011/main" xmlns="" val="1"/>
+              <ma14:wrappingTextBoxFlag xmlns="" xmlns:ma14="http://schemas.microsoft.com/office/mac/drawingml/2011/main" val="1"/>
             </a:ext>
           </a:extLst>
         </p:spPr>
@@ -12433,7 +12399,7 @@
           </a:prstGeom>
           <a:extLst>
             <a:ext uri="{C572A759-6A51-4108-AA02-DFA0A04FC94B}">
-              <ma14:wrappingTextBoxFlag xmlns:ma14="http://schemas.microsoft.com/office/mac/drawingml/2011/main" xmlns="" val="1"/>
+              <ma14:wrappingTextBoxFlag xmlns="" xmlns:ma14="http://schemas.microsoft.com/office/mac/drawingml/2011/main" val="1"/>
             </a:ext>
           </a:extLst>
         </p:spPr>
@@ -12467,7 +12433,7 @@
           </a:ln>
           <a:extLst>
             <a:ext uri="{C572A759-6A51-4108-AA02-DFA0A04FC94B}">
-              <ma14:wrappingTextBoxFlag xmlns:ma14="http://schemas.microsoft.com/office/mac/drawingml/2011/main" xmlns="" val="1"/>
+              <ma14:wrappingTextBoxFlag xmlns="" xmlns:ma14="http://schemas.microsoft.com/office/mac/drawingml/2011/main" val="1"/>
             </a:ext>
           </a:extLst>
         </p:spPr>
@@ -12535,7 +12501,7 @@
           </a:ln>
           <a:extLst>
             <a:ext uri="{C572A759-6A51-4108-AA02-DFA0A04FC94B}">
-              <ma14:wrappingTextBoxFlag xmlns:ma14="http://schemas.microsoft.com/office/mac/drawingml/2011/main" xmlns="" val="1"/>
+              <ma14:wrappingTextBoxFlag xmlns="" xmlns:ma14="http://schemas.microsoft.com/office/mac/drawingml/2011/main" val="1"/>
             </a:ext>
           </a:extLst>
         </p:spPr>
@@ -12829,7 +12795,7 @@
           </a:prstGeom>
           <a:extLst>
             <a:ext uri="{C572A759-6A51-4108-AA02-DFA0A04FC94B}">
-              <ma14:wrappingTextBoxFlag xmlns:ma14="http://schemas.microsoft.com/office/mac/drawingml/2011/main" xmlns="" val="1"/>
+              <ma14:wrappingTextBoxFlag xmlns="" xmlns:ma14="http://schemas.microsoft.com/office/mac/drawingml/2011/main" val="1"/>
             </a:ext>
           </a:extLst>
         </p:spPr>
@@ -12868,7 +12834,7 @@
           </a:ln>
           <a:extLst>
             <a:ext uri="{C572A759-6A51-4108-AA02-DFA0A04FC94B}">
-              <ma14:wrappingTextBoxFlag xmlns:ma14="http://schemas.microsoft.com/office/mac/drawingml/2011/main" xmlns="" val="1"/>
+              <ma14:wrappingTextBoxFlag xmlns="" xmlns:ma14="http://schemas.microsoft.com/office/mac/drawingml/2011/main" val="1"/>
             </a:ext>
           </a:extLst>
         </p:spPr>
@@ -13027,7 +12993,7 @@
           </a:ln>
           <a:extLst>
             <a:ext uri="{C572A759-6A51-4108-AA02-DFA0A04FC94B}">
-              <ma14:wrappingTextBoxFlag xmlns:ma14="http://schemas.microsoft.com/office/mac/drawingml/2011/main" xmlns="" val="1"/>
+              <ma14:wrappingTextBoxFlag xmlns="" xmlns:ma14="http://schemas.microsoft.com/office/mac/drawingml/2011/main" val="1"/>
             </a:ext>
           </a:extLst>
         </p:spPr>
@@ -13078,7 +13044,7 @@
           </a:ln>
           <a:extLst>
             <a:ext uri="{C572A759-6A51-4108-AA02-DFA0A04FC94B}">
-              <ma14:wrappingTextBoxFlag xmlns:ma14="http://schemas.microsoft.com/office/mac/drawingml/2011/main" xmlns="" val="1"/>
+              <ma14:wrappingTextBoxFlag xmlns="" xmlns:ma14="http://schemas.microsoft.com/office/mac/drawingml/2011/main" val="1"/>
             </a:ext>
           </a:extLst>
         </p:spPr>
@@ -13327,7 +13293,7 @@
           </a:ln>
           <a:extLst>
             <a:ext uri="{C572A759-6A51-4108-AA02-DFA0A04FC94B}">
-              <ma14:wrappingTextBoxFlag xmlns:ma14="http://schemas.microsoft.com/office/mac/drawingml/2011/main" xmlns="" val="1"/>
+              <ma14:wrappingTextBoxFlag xmlns="" xmlns:ma14="http://schemas.microsoft.com/office/mac/drawingml/2011/main" val="1"/>
             </a:ext>
           </a:extLst>
         </p:spPr>
@@ -13494,7 +13460,7 @@
           </a:prstGeom>
           <a:extLst>
             <a:ext uri="{C572A759-6A51-4108-AA02-DFA0A04FC94B}">
-              <ma14:wrappingTextBoxFlag xmlns:ma14="http://schemas.microsoft.com/office/mac/drawingml/2011/main" xmlns="" val="1"/>
+              <ma14:wrappingTextBoxFlag xmlns="" xmlns:ma14="http://schemas.microsoft.com/office/mac/drawingml/2011/main" val="1"/>
             </a:ext>
           </a:extLst>
         </p:spPr>
@@ -13533,7 +13499,7 @@
           </a:ln>
           <a:extLst>
             <a:ext uri="{C572A759-6A51-4108-AA02-DFA0A04FC94B}">
-              <ma14:wrappingTextBoxFlag xmlns:ma14="http://schemas.microsoft.com/office/mac/drawingml/2011/main" xmlns="" val="1"/>
+              <ma14:wrappingTextBoxFlag xmlns="" xmlns:ma14="http://schemas.microsoft.com/office/mac/drawingml/2011/main" val="1"/>
             </a:ext>
           </a:extLst>
         </p:spPr>
@@ -13820,7 +13786,7 @@
           </a:prstGeom>
           <a:extLst>
             <a:ext uri="{C572A759-6A51-4108-AA02-DFA0A04FC94B}">
-              <ma14:wrappingTextBoxFlag xmlns:ma14="http://schemas.microsoft.com/office/mac/drawingml/2011/main" xmlns="" val="1"/>
+              <ma14:wrappingTextBoxFlag xmlns="" xmlns:ma14="http://schemas.microsoft.com/office/mac/drawingml/2011/main" val="1"/>
             </a:ext>
           </a:extLst>
         </p:spPr>
@@ -13859,7 +13825,7 @@
           </a:ln>
           <a:extLst>
             <a:ext uri="{C572A759-6A51-4108-AA02-DFA0A04FC94B}">
-              <ma14:wrappingTextBoxFlag xmlns:ma14="http://schemas.microsoft.com/office/mac/drawingml/2011/main" xmlns="" val="1"/>
+              <ma14:wrappingTextBoxFlag xmlns="" xmlns:ma14="http://schemas.microsoft.com/office/mac/drawingml/2011/main" val="1"/>
             </a:ext>
           </a:extLst>
         </p:spPr>
@@ -14195,9 +14161,7 @@
             <p:nvPr/>
           </p:nvPicPr>
           <p:blipFill>
-            <a:blip r:embed="rId2">
-              <a:extLst/>
-            </a:blip>
+            <a:blip r:embed="rId2"/>
             <a:srcRect l="93441" b="66539"/>
             <a:stretch>
               <a:fillRect/>
@@ -14264,7 +14228,7 @@
           </a:prstGeom>
           <a:extLst>
             <a:ext uri="{C572A759-6A51-4108-AA02-DFA0A04FC94B}">
-              <ma14:wrappingTextBoxFlag xmlns:ma14="http://schemas.microsoft.com/office/mac/drawingml/2011/main" xmlns="" val="1"/>
+              <ma14:wrappingTextBoxFlag xmlns="" xmlns:ma14="http://schemas.microsoft.com/office/mac/drawingml/2011/main" val="1"/>
             </a:ext>
           </a:extLst>
         </p:spPr>
@@ -14310,7 +14274,7 @@
           </a:ln>
           <a:extLst>
             <a:ext uri="{C572A759-6A51-4108-AA02-DFA0A04FC94B}">
-              <ma14:wrappingTextBoxFlag xmlns:ma14="http://schemas.microsoft.com/office/mac/drawingml/2011/main" xmlns="" val="1"/>
+              <ma14:wrappingTextBoxFlag xmlns="" xmlns:ma14="http://schemas.microsoft.com/office/mac/drawingml/2011/main" val="1"/>
             </a:ext>
           </a:extLst>
         </p:spPr>
@@ -14432,7 +14396,7 @@
           </a:ln>
           <a:extLst>
             <a:ext uri="{C572A759-6A51-4108-AA02-DFA0A04FC94B}">
-              <ma14:wrappingTextBoxFlag xmlns:ma14="http://schemas.microsoft.com/office/mac/drawingml/2011/main" xmlns="" val="1"/>
+              <ma14:wrappingTextBoxFlag xmlns="" xmlns:ma14="http://schemas.microsoft.com/office/mac/drawingml/2011/main" val="1"/>
             </a:ext>
           </a:extLst>
         </p:spPr>
@@ -14492,7 +14456,7 @@
           </a:ln>
           <a:extLst>
             <a:ext uri="{C572A759-6A51-4108-AA02-DFA0A04FC94B}">
-              <ma14:wrappingTextBoxFlag xmlns:ma14="http://schemas.microsoft.com/office/mac/drawingml/2011/main" xmlns="" val="1"/>
+              <ma14:wrappingTextBoxFlag xmlns="" xmlns:ma14="http://schemas.microsoft.com/office/mac/drawingml/2011/main" val="1"/>
             </a:ext>
           </a:extLst>
         </p:spPr>
@@ -14771,9 +14735,7 @@
             <p:nvPr/>
           </p:nvPicPr>
           <p:blipFill>
-            <a:blip r:embed="rId2">
-              <a:extLst/>
-            </a:blip>
+            <a:blip r:embed="rId2"/>
             <a:srcRect l="93441" b="66539"/>
             <a:stretch>
               <a:fillRect/>
@@ -14848,7 +14810,7 @@
           </a:prstGeom>
           <a:extLst>
             <a:ext uri="{C572A759-6A51-4108-AA02-DFA0A04FC94B}">
-              <ma14:wrappingTextBoxFlag xmlns:ma14="http://schemas.microsoft.com/office/mac/drawingml/2011/main" xmlns="" val="1"/>
+              <ma14:wrappingTextBoxFlag xmlns="" xmlns:ma14="http://schemas.microsoft.com/office/mac/drawingml/2011/main" val="1"/>
             </a:ext>
           </a:extLst>
         </p:spPr>
@@ -14894,7 +14856,7 @@
           </a:ln>
           <a:extLst>
             <a:ext uri="{C572A759-6A51-4108-AA02-DFA0A04FC94B}">
-              <ma14:wrappingTextBoxFlag xmlns:ma14="http://schemas.microsoft.com/office/mac/drawingml/2011/main" xmlns="" val="1"/>
+              <ma14:wrappingTextBoxFlag xmlns="" xmlns:ma14="http://schemas.microsoft.com/office/mac/drawingml/2011/main" val="1"/>
             </a:ext>
           </a:extLst>
         </p:spPr>
@@ -15009,7 +14971,7 @@
           </a:ln>
           <a:extLst>
             <a:ext uri="{C572A759-6A51-4108-AA02-DFA0A04FC94B}">
-              <ma14:wrappingTextBoxFlag xmlns:ma14="http://schemas.microsoft.com/office/mac/drawingml/2011/main" xmlns="" val="1"/>
+              <ma14:wrappingTextBoxFlag xmlns="" xmlns:ma14="http://schemas.microsoft.com/office/mac/drawingml/2011/main" val="1"/>
             </a:ext>
           </a:extLst>
         </p:spPr>
@@ -15057,7 +15019,7 @@
           </a:ln>
           <a:extLst>
             <a:ext uri="{C572A759-6A51-4108-AA02-DFA0A04FC94B}">
-              <ma14:wrappingTextBoxFlag xmlns:ma14="http://schemas.microsoft.com/office/mac/drawingml/2011/main" xmlns="" val="1"/>
+              <ma14:wrappingTextBoxFlag xmlns="" xmlns:ma14="http://schemas.microsoft.com/office/mac/drawingml/2011/main" val="1"/>
             </a:ext>
           </a:extLst>
         </p:spPr>
@@ -15350,7 +15312,7 @@
           </a:prstGeom>
           <a:extLst>
             <a:ext uri="{C572A759-6A51-4108-AA02-DFA0A04FC94B}">
-              <ma14:wrappingTextBoxFlag xmlns:ma14="http://schemas.microsoft.com/office/mac/drawingml/2011/main" xmlns="" val="1"/>
+              <ma14:wrappingTextBoxFlag xmlns="" xmlns:ma14="http://schemas.microsoft.com/office/mac/drawingml/2011/main" val="1"/>
             </a:ext>
           </a:extLst>
         </p:spPr>
@@ -15432,7 +15394,7 @@
           </a:prstGeom>
           <a:extLst>
             <a:ext uri="{C572A759-6A51-4108-AA02-DFA0A04FC94B}">
-              <ma14:wrappingTextBoxFlag xmlns:ma14="http://schemas.microsoft.com/office/mac/drawingml/2011/main" xmlns="" val="1"/>
+              <ma14:wrappingTextBoxFlag xmlns="" xmlns:ma14="http://schemas.microsoft.com/office/mac/drawingml/2011/main" val="1"/>
             </a:ext>
           </a:extLst>
         </p:spPr>
@@ -15471,7 +15433,7 @@
           </a:ln>
           <a:extLst>
             <a:ext uri="{C572A759-6A51-4108-AA02-DFA0A04FC94B}">
-              <ma14:wrappingTextBoxFlag xmlns:ma14="http://schemas.microsoft.com/office/mac/drawingml/2011/main" xmlns="" val="1"/>
+              <ma14:wrappingTextBoxFlag xmlns="" xmlns:ma14="http://schemas.microsoft.com/office/mac/drawingml/2011/main" val="1"/>
             </a:ext>
           </a:extLst>
         </p:spPr>
@@ -15611,7 +15573,7 @@
           </a:ln>
           <a:extLst>
             <a:ext uri="{C572A759-6A51-4108-AA02-DFA0A04FC94B}">
-              <ma14:wrappingTextBoxFlag xmlns:ma14="http://schemas.microsoft.com/office/mac/drawingml/2011/main" xmlns="" val="1"/>
+              <ma14:wrappingTextBoxFlag xmlns="" xmlns:ma14="http://schemas.microsoft.com/office/mac/drawingml/2011/main" val="1"/>
             </a:ext>
           </a:extLst>
         </p:spPr>
@@ -15719,7 +15681,7 @@
           </a:prstGeom>
           <a:extLst>
             <a:ext uri="{C572A759-6A51-4108-AA02-DFA0A04FC94B}">
-              <ma14:wrappingTextBoxFlag xmlns:ma14="http://schemas.microsoft.com/office/mac/drawingml/2011/main" xmlns="" val="1"/>
+              <ma14:wrappingTextBoxFlag xmlns="" xmlns:ma14="http://schemas.microsoft.com/office/mac/drawingml/2011/main" val="1"/>
             </a:ext>
           </a:extLst>
         </p:spPr>
@@ -15758,7 +15720,7 @@
           </a:ln>
           <a:extLst>
             <a:ext uri="{C572A759-6A51-4108-AA02-DFA0A04FC94B}">
-              <ma14:wrappingTextBoxFlag xmlns:ma14="http://schemas.microsoft.com/office/mac/drawingml/2011/main" xmlns="" val="1"/>
+              <ma14:wrappingTextBoxFlag xmlns="" xmlns:ma14="http://schemas.microsoft.com/office/mac/drawingml/2011/main" val="1"/>
             </a:ext>
           </a:extLst>
         </p:spPr>
@@ -15915,7 +15877,7 @@
           </a:ln>
           <a:extLst>
             <a:ext uri="{C572A759-6A51-4108-AA02-DFA0A04FC94B}">
-              <ma14:wrappingTextBoxFlag xmlns:ma14="http://schemas.microsoft.com/office/mac/drawingml/2011/main" xmlns="" val="1"/>
+              <ma14:wrappingTextBoxFlag xmlns="" xmlns:ma14="http://schemas.microsoft.com/office/mac/drawingml/2011/main" val="1"/>
             </a:ext>
           </a:extLst>
         </p:spPr>
@@ -16111,9 +16073,7 @@
             <p:nvPr/>
           </p:nvPicPr>
           <p:blipFill>
-            <a:blip r:embed="rId2">
-              <a:extLst/>
-            </a:blip>
+            <a:blip r:embed="rId2"/>
             <a:srcRect l="93441" b="66539"/>
             <a:stretch>
               <a:fillRect/>
@@ -16188,7 +16148,7 @@
           </a:prstGeom>
           <a:extLst>
             <a:ext uri="{C572A759-6A51-4108-AA02-DFA0A04FC94B}">
-              <ma14:wrappingTextBoxFlag xmlns:ma14="http://schemas.microsoft.com/office/mac/drawingml/2011/main" xmlns="" val="1"/>
+              <ma14:wrappingTextBoxFlag xmlns="" xmlns:ma14="http://schemas.microsoft.com/office/mac/drawingml/2011/main" val="1"/>
             </a:ext>
           </a:extLst>
         </p:spPr>
@@ -16234,7 +16194,7 @@
           </a:ln>
           <a:extLst>
             <a:ext uri="{C572A759-6A51-4108-AA02-DFA0A04FC94B}">
-              <ma14:wrappingTextBoxFlag xmlns:ma14="http://schemas.microsoft.com/office/mac/drawingml/2011/main" xmlns="" val="1"/>
+              <ma14:wrappingTextBoxFlag xmlns="" xmlns:ma14="http://schemas.microsoft.com/office/mac/drawingml/2011/main" val="1"/>
             </a:ext>
           </a:extLst>
         </p:spPr>
@@ -16476,7 +16436,7 @@
           </a:ln>
           <a:extLst>
             <a:ext uri="{C572A759-6A51-4108-AA02-DFA0A04FC94B}">
-              <ma14:wrappingTextBoxFlag xmlns:ma14="http://schemas.microsoft.com/office/mac/drawingml/2011/main" xmlns="" val="1"/>
+              <ma14:wrappingTextBoxFlag xmlns="" xmlns:ma14="http://schemas.microsoft.com/office/mac/drawingml/2011/main" val="1"/>
             </a:ext>
           </a:extLst>
         </p:spPr>
@@ -16524,7 +16484,7 @@
           </a:ln>
           <a:extLst>
             <a:ext uri="{C572A759-6A51-4108-AA02-DFA0A04FC94B}">
-              <ma14:wrappingTextBoxFlag xmlns:ma14="http://schemas.microsoft.com/office/mac/drawingml/2011/main" xmlns="" val="1"/>
+              <ma14:wrappingTextBoxFlag xmlns="" xmlns:ma14="http://schemas.microsoft.com/office/mac/drawingml/2011/main" val="1"/>
             </a:ext>
           </a:extLst>
         </p:spPr>
@@ -16652,9 +16612,7 @@
             <p:nvPr/>
           </p:nvPicPr>
           <p:blipFill>
-            <a:blip r:embed="rId2">
-              <a:extLst/>
-            </a:blip>
+            <a:blip r:embed="rId2"/>
             <a:srcRect l="93441" b="66539"/>
             <a:stretch>
               <a:fillRect/>
@@ -16729,7 +16687,7 @@
           </a:prstGeom>
           <a:extLst>
             <a:ext uri="{C572A759-6A51-4108-AA02-DFA0A04FC94B}">
-              <ma14:wrappingTextBoxFlag xmlns:ma14="http://schemas.microsoft.com/office/mac/drawingml/2011/main" xmlns="" val="1"/>
+              <ma14:wrappingTextBoxFlag xmlns="" xmlns:ma14="http://schemas.microsoft.com/office/mac/drawingml/2011/main" val="1"/>
             </a:ext>
           </a:extLst>
         </p:spPr>
@@ -16775,7 +16733,7 @@
           </a:ln>
           <a:extLst>
             <a:ext uri="{C572A759-6A51-4108-AA02-DFA0A04FC94B}">
-              <ma14:wrappingTextBoxFlag xmlns:ma14="http://schemas.microsoft.com/office/mac/drawingml/2011/main" xmlns="" val="1"/>
+              <ma14:wrappingTextBoxFlag xmlns="" xmlns:ma14="http://schemas.microsoft.com/office/mac/drawingml/2011/main" val="1"/>
             </a:ext>
           </a:extLst>
         </p:spPr>
@@ -17011,7 +16969,7 @@
           </a:ln>
           <a:extLst>
             <a:ext uri="{C572A759-6A51-4108-AA02-DFA0A04FC94B}">
-              <ma14:wrappingTextBoxFlag xmlns:ma14="http://schemas.microsoft.com/office/mac/drawingml/2011/main" xmlns="" val="1"/>
+              <ma14:wrappingTextBoxFlag xmlns="" xmlns:ma14="http://schemas.microsoft.com/office/mac/drawingml/2011/main" val="1"/>
             </a:ext>
           </a:extLst>
         </p:spPr>
@@ -17123,9 +17081,7 @@
             <p:nvPr/>
           </p:nvPicPr>
           <p:blipFill>
-            <a:blip r:embed="rId2">
-              <a:extLst/>
-            </a:blip>
+            <a:blip r:embed="rId2"/>
             <a:srcRect l="93441" b="66539"/>
             <a:stretch>
               <a:fillRect/>
@@ -17200,7 +17156,7 @@
           </a:prstGeom>
           <a:extLst>
             <a:ext uri="{C572A759-6A51-4108-AA02-DFA0A04FC94B}">
-              <ma14:wrappingTextBoxFlag xmlns:ma14="http://schemas.microsoft.com/office/mac/drawingml/2011/main" xmlns="" val="1"/>
+              <ma14:wrappingTextBoxFlag xmlns="" xmlns:ma14="http://schemas.microsoft.com/office/mac/drawingml/2011/main" val="1"/>
             </a:ext>
           </a:extLst>
         </p:spPr>
@@ -17246,7 +17202,7 @@
           </a:ln>
           <a:extLst>
             <a:ext uri="{C572A759-6A51-4108-AA02-DFA0A04FC94B}">
-              <ma14:wrappingTextBoxFlag xmlns:ma14="http://schemas.microsoft.com/office/mac/drawingml/2011/main" xmlns="" val="1"/>
+              <ma14:wrappingTextBoxFlag xmlns="" xmlns:ma14="http://schemas.microsoft.com/office/mac/drawingml/2011/main" val="1"/>
             </a:ext>
           </a:extLst>
         </p:spPr>
@@ -17709,7 +17665,7 @@
           </a:prstGeom>
           <a:extLst>
             <a:ext uri="{C572A759-6A51-4108-AA02-DFA0A04FC94B}">
-              <ma14:wrappingTextBoxFlag xmlns:ma14="http://schemas.microsoft.com/office/mac/drawingml/2011/main" xmlns="" val="1"/>
+              <ma14:wrappingTextBoxFlag xmlns="" xmlns:ma14="http://schemas.microsoft.com/office/mac/drawingml/2011/main" val="1"/>
             </a:ext>
           </a:extLst>
         </p:spPr>
@@ -17748,7 +17704,7 @@
           </a:ln>
           <a:extLst>
             <a:ext uri="{C572A759-6A51-4108-AA02-DFA0A04FC94B}">
-              <ma14:wrappingTextBoxFlag xmlns:ma14="http://schemas.microsoft.com/office/mac/drawingml/2011/main" xmlns="" val="1"/>
+              <ma14:wrappingTextBoxFlag xmlns="" xmlns:ma14="http://schemas.microsoft.com/office/mac/drawingml/2011/main" val="1"/>
             </a:ext>
           </a:extLst>
         </p:spPr>
@@ -18256,7 +18212,7 @@
           </a:prstGeom>
           <a:extLst>
             <a:ext uri="{C572A759-6A51-4108-AA02-DFA0A04FC94B}">
-              <ma14:wrappingTextBoxFlag xmlns:ma14="http://schemas.microsoft.com/office/mac/drawingml/2011/main" xmlns="" val="1"/>
+              <ma14:wrappingTextBoxFlag xmlns="" xmlns:ma14="http://schemas.microsoft.com/office/mac/drawingml/2011/main" val="1"/>
             </a:ext>
           </a:extLst>
         </p:spPr>
@@ -18572,7 +18528,7 @@
           </a:prstGeom>
           <a:extLst>
             <a:ext uri="{C572A759-6A51-4108-AA02-DFA0A04FC94B}">
-              <ma14:wrappingTextBoxFlag xmlns:ma14="http://schemas.microsoft.com/office/mac/drawingml/2011/main" xmlns="" val="1"/>
+              <ma14:wrappingTextBoxFlag xmlns="" xmlns:ma14="http://schemas.microsoft.com/office/mac/drawingml/2011/main" val="1"/>
             </a:ext>
           </a:extLst>
         </p:spPr>
@@ -18606,7 +18562,7 @@
           </a:ln>
           <a:extLst>
             <a:ext uri="{C572A759-6A51-4108-AA02-DFA0A04FC94B}">
-              <ma14:wrappingTextBoxFlag xmlns:ma14="http://schemas.microsoft.com/office/mac/drawingml/2011/main" xmlns="" val="1"/>
+              <ma14:wrappingTextBoxFlag xmlns="" xmlns:ma14="http://schemas.microsoft.com/office/mac/drawingml/2011/main" val="1"/>
             </a:ext>
           </a:extLst>
         </p:spPr>
@@ -18725,9 +18681,7 @@
             <p:nvPr/>
           </p:nvPicPr>
           <p:blipFill>
-            <a:blip r:embed="rId2">
-              <a:extLst/>
-            </a:blip>
+            <a:blip r:embed="rId2"/>
             <a:srcRect l="93441" b="66539"/>
             <a:stretch>
               <a:fillRect/>
@@ -18802,7 +18756,7 @@
           </a:prstGeom>
           <a:extLst>
             <a:ext uri="{C572A759-6A51-4108-AA02-DFA0A04FC94B}">
-              <ma14:wrappingTextBoxFlag xmlns:ma14="http://schemas.microsoft.com/office/mac/drawingml/2011/main" xmlns="" val="1"/>
+              <ma14:wrappingTextBoxFlag xmlns="" xmlns:ma14="http://schemas.microsoft.com/office/mac/drawingml/2011/main" val="1"/>
             </a:ext>
           </a:extLst>
         </p:spPr>
@@ -18848,7 +18802,7 @@
           </a:ln>
           <a:extLst>
             <a:ext uri="{C572A759-6A51-4108-AA02-DFA0A04FC94B}">
-              <ma14:wrappingTextBoxFlag xmlns:ma14="http://schemas.microsoft.com/office/mac/drawingml/2011/main" xmlns="" val="1"/>
+              <ma14:wrappingTextBoxFlag xmlns="" xmlns:ma14="http://schemas.microsoft.com/office/mac/drawingml/2011/main" val="1"/>
             </a:ext>
           </a:extLst>
         </p:spPr>
@@ -19006,7 +18960,7 @@
           </a:ln>
           <a:extLst>
             <a:ext uri="{C572A759-6A51-4108-AA02-DFA0A04FC94B}">
-              <ma14:wrappingTextBoxFlag xmlns:ma14="http://schemas.microsoft.com/office/mac/drawingml/2011/main" xmlns="" val="1"/>
+              <ma14:wrappingTextBoxFlag xmlns="" xmlns:ma14="http://schemas.microsoft.com/office/mac/drawingml/2011/main" val="1"/>
             </a:ext>
           </a:extLst>
         </p:spPr>
@@ -19455,9 +19409,7 @@
             <p:nvPr/>
           </p:nvPicPr>
           <p:blipFill>
-            <a:blip r:embed="rId2">
-              <a:extLst/>
-            </a:blip>
+            <a:blip r:embed="rId2"/>
             <a:srcRect l="93441" b="66539"/>
             <a:stretch>
               <a:fillRect/>
@@ -19532,7 +19484,7 @@
           </a:prstGeom>
           <a:extLst>
             <a:ext uri="{C572A759-6A51-4108-AA02-DFA0A04FC94B}">
-              <ma14:wrappingTextBoxFlag xmlns:ma14="http://schemas.microsoft.com/office/mac/drawingml/2011/main" xmlns="" val="1"/>
+              <ma14:wrappingTextBoxFlag xmlns="" xmlns:ma14="http://schemas.microsoft.com/office/mac/drawingml/2011/main" val="1"/>
             </a:ext>
           </a:extLst>
         </p:spPr>
@@ -19578,7 +19530,7 @@
           </a:ln>
           <a:extLst>
             <a:ext uri="{C572A759-6A51-4108-AA02-DFA0A04FC94B}">
-              <ma14:wrappingTextBoxFlag xmlns:ma14="http://schemas.microsoft.com/office/mac/drawingml/2011/main" xmlns="" val="1"/>
+              <ma14:wrappingTextBoxFlag xmlns="" xmlns:ma14="http://schemas.microsoft.com/office/mac/drawingml/2011/main" val="1"/>
             </a:ext>
           </a:extLst>
         </p:spPr>
@@ -19738,7 +19690,7 @@
           </a:ln>
           <a:extLst>
             <a:ext uri="{C572A759-6A51-4108-AA02-DFA0A04FC94B}">
-              <ma14:wrappingTextBoxFlag xmlns:ma14="http://schemas.microsoft.com/office/mac/drawingml/2011/main" xmlns="" val="1"/>
+              <ma14:wrappingTextBoxFlag xmlns="" xmlns:ma14="http://schemas.microsoft.com/office/mac/drawingml/2011/main" val="1"/>
             </a:ext>
           </a:extLst>
         </p:spPr>
@@ -19787,7 +19739,7 @@
           </a:ln>
           <a:extLst>
             <a:ext uri="{C572A759-6A51-4108-AA02-DFA0A04FC94B}">
-              <ma14:wrappingTextBoxFlag xmlns:ma14="http://schemas.microsoft.com/office/mac/drawingml/2011/main" xmlns="" val="1"/>
+              <ma14:wrappingTextBoxFlag xmlns="" xmlns:ma14="http://schemas.microsoft.com/office/mac/drawingml/2011/main" val="1"/>
             </a:ext>
           </a:extLst>
         </p:spPr>
@@ -20066,9 +20018,7 @@
             <p:nvPr/>
           </p:nvPicPr>
           <p:blipFill>
-            <a:blip r:embed="rId2">
-              <a:extLst/>
-            </a:blip>
+            <a:blip r:embed="rId2"/>
             <a:srcRect l="93441" b="66539"/>
             <a:stretch>
               <a:fillRect/>
@@ -20143,7 +20093,7 @@
           </a:prstGeom>
           <a:extLst>
             <a:ext uri="{C572A759-6A51-4108-AA02-DFA0A04FC94B}">
-              <ma14:wrappingTextBoxFlag xmlns:ma14="http://schemas.microsoft.com/office/mac/drawingml/2011/main" xmlns="" val="1"/>
+              <ma14:wrappingTextBoxFlag xmlns="" xmlns:ma14="http://schemas.microsoft.com/office/mac/drawingml/2011/main" val="1"/>
             </a:ext>
           </a:extLst>
         </p:spPr>
@@ -20189,7 +20139,7 @@
           </a:ln>
           <a:extLst>
             <a:ext uri="{C572A759-6A51-4108-AA02-DFA0A04FC94B}">
-              <ma14:wrappingTextBoxFlag xmlns:ma14="http://schemas.microsoft.com/office/mac/drawingml/2011/main" xmlns="" val="1"/>
+              <ma14:wrappingTextBoxFlag xmlns="" xmlns:ma14="http://schemas.microsoft.com/office/mac/drawingml/2011/main" val="1"/>
             </a:ext>
           </a:extLst>
         </p:spPr>
@@ -20306,7 +20256,7 @@
           </a:ln>
           <a:extLst>
             <a:ext uri="{C572A759-6A51-4108-AA02-DFA0A04FC94B}">
-              <ma14:wrappingTextBoxFlag xmlns:ma14="http://schemas.microsoft.com/office/mac/drawingml/2011/main" xmlns="" val="1"/>
+              <ma14:wrappingTextBoxFlag xmlns="" xmlns:ma14="http://schemas.microsoft.com/office/mac/drawingml/2011/main" val="1"/>
             </a:ext>
           </a:extLst>
         </p:spPr>
@@ -20355,7 +20305,7 @@
           </a:ln>
           <a:extLst>
             <a:ext uri="{C572A759-6A51-4108-AA02-DFA0A04FC94B}">
-              <ma14:wrappingTextBoxFlag xmlns:ma14="http://schemas.microsoft.com/office/mac/drawingml/2011/main" xmlns="" val="1"/>
+              <ma14:wrappingTextBoxFlag xmlns="" xmlns:ma14="http://schemas.microsoft.com/office/mac/drawingml/2011/main" val="1"/>
             </a:ext>
           </a:extLst>
         </p:spPr>
@@ -20409,7 +20359,7 @@
           </a:ln>
           <a:extLst>
             <a:ext uri="{C572A759-6A51-4108-AA02-DFA0A04FC94B}">
-              <ma14:wrappingTextBoxFlag xmlns:ma14="http://schemas.microsoft.com/office/mac/drawingml/2011/main" xmlns="" val="1"/>
+              <ma14:wrappingTextBoxFlag xmlns="" xmlns:ma14="http://schemas.microsoft.com/office/mac/drawingml/2011/main" val="1"/>
             </a:ext>
           </a:extLst>
         </p:spPr>
@@ -20507,7 +20457,7 @@
           </a:ln>
           <a:extLst>
             <a:ext uri="{C572A759-6A51-4108-AA02-DFA0A04FC94B}">
-              <ma14:wrappingTextBoxFlag xmlns:ma14="http://schemas.microsoft.com/office/mac/drawingml/2011/main" xmlns="" val="1"/>
+              <ma14:wrappingTextBoxFlag xmlns="" xmlns:ma14="http://schemas.microsoft.com/office/mac/drawingml/2011/main" val="1"/>
             </a:ext>
           </a:extLst>
         </p:spPr>
@@ -20876,9 +20826,7 @@
             <p:nvPr/>
           </p:nvPicPr>
           <p:blipFill>
-            <a:blip r:embed="rId2">
-              <a:extLst/>
-            </a:blip>
+            <a:blip r:embed="rId2"/>
             <a:srcRect l="93441" b="66539"/>
             <a:stretch>
               <a:fillRect/>
@@ -20953,7 +20901,7 @@
           </a:prstGeom>
           <a:extLst>
             <a:ext uri="{C572A759-6A51-4108-AA02-DFA0A04FC94B}">
-              <ma14:wrappingTextBoxFlag xmlns:ma14="http://schemas.microsoft.com/office/mac/drawingml/2011/main" xmlns="" val="1"/>
+              <ma14:wrappingTextBoxFlag xmlns="" xmlns:ma14="http://schemas.microsoft.com/office/mac/drawingml/2011/main" val="1"/>
             </a:ext>
           </a:extLst>
         </p:spPr>
@@ -20999,7 +20947,7 @@
           </a:ln>
           <a:extLst>
             <a:ext uri="{C572A759-6A51-4108-AA02-DFA0A04FC94B}">
-              <ma14:wrappingTextBoxFlag xmlns:ma14="http://schemas.microsoft.com/office/mac/drawingml/2011/main" xmlns="" val="1"/>
+              <ma14:wrappingTextBoxFlag xmlns="" xmlns:ma14="http://schemas.microsoft.com/office/mac/drawingml/2011/main" val="1"/>
             </a:ext>
           </a:extLst>
         </p:spPr>
@@ -21148,7 +21096,7 @@
           </a:ln>
           <a:extLst>
             <a:ext uri="{C572A759-6A51-4108-AA02-DFA0A04FC94B}">
-              <ma14:wrappingTextBoxFlag xmlns:ma14="http://schemas.microsoft.com/office/mac/drawingml/2011/main" xmlns="" val="1"/>
+              <ma14:wrappingTextBoxFlag xmlns="" xmlns:ma14="http://schemas.microsoft.com/office/mac/drawingml/2011/main" val="1"/>
             </a:ext>
           </a:extLst>
         </p:spPr>
@@ -21382,9 +21330,7 @@
             <p:nvPr/>
           </p:nvPicPr>
           <p:blipFill>
-            <a:blip r:embed="rId2">
-              <a:extLst/>
-            </a:blip>
+            <a:blip r:embed="rId2"/>
             <a:srcRect l="93441" b="66539"/>
             <a:stretch>
               <a:fillRect/>
@@ -21459,7 +21405,7 @@
           </a:prstGeom>
           <a:extLst>
             <a:ext uri="{C572A759-6A51-4108-AA02-DFA0A04FC94B}">
-              <ma14:wrappingTextBoxFlag xmlns:ma14="http://schemas.microsoft.com/office/mac/drawingml/2011/main" xmlns="" val="1"/>
+              <ma14:wrappingTextBoxFlag xmlns="" xmlns:ma14="http://schemas.microsoft.com/office/mac/drawingml/2011/main" val="1"/>
             </a:ext>
           </a:extLst>
         </p:spPr>
@@ -21505,7 +21451,7 @@
           </a:ln>
           <a:extLst>
             <a:ext uri="{C572A759-6A51-4108-AA02-DFA0A04FC94B}">
-              <ma14:wrappingTextBoxFlag xmlns:ma14="http://schemas.microsoft.com/office/mac/drawingml/2011/main" xmlns="" val="1"/>
+              <ma14:wrappingTextBoxFlag xmlns="" xmlns:ma14="http://schemas.microsoft.com/office/mac/drawingml/2011/main" val="1"/>
             </a:ext>
           </a:extLst>
         </p:spPr>
@@ -21608,7 +21554,7 @@
           </a:ln>
           <a:extLst>
             <a:ext uri="{C572A759-6A51-4108-AA02-DFA0A04FC94B}">
-              <ma14:wrappingTextBoxFlag xmlns:ma14="http://schemas.microsoft.com/office/mac/drawingml/2011/main" xmlns="" val="1"/>
+              <ma14:wrappingTextBoxFlag xmlns="" xmlns:ma14="http://schemas.microsoft.com/office/mac/drawingml/2011/main" val="1"/>
             </a:ext>
           </a:extLst>
         </p:spPr>
@@ -21842,9 +21788,7 @@
             <p:nvPr/>
           </p:nvPicPr>
           <p:blipFill>
-            <a:blip r:embed="rId2">
-              <a:extLst/>
-            </a:blip>
+            <a:blip r:embed="rId2"/>
             <a:srcRect l="93441" b="66539"/>
             <a:stretch>
               <a:fillRect/>
@@ -21919,7 +21863,7 @@
           </a:prstGeom>
           <a:extLst>
             <a:ext uri="{C572A759-6A51-4108-AA02-DFA0A04FC94B}">
-              <ma14:wrappingTextBoxFlag xmlns:ma14="http://schemas.microsoft.com/office/mac/drawingml/2011/main" xmlns="" val="1"/>
+              <ma14:wrappingTextBoxFlag xmlns="" xmlns:ma14="http://schemas.microsoft.com/office/mac/drawingml/2011/main" val="1"/>
             </a:ext>
           </a:extLst>
         </p:spPr>
@@ -21965,7 +21909,7 @@
           </a:ln>
           <a:extLst>
             <a:ext uri="{C572A759-6A51-4108-AA02-DFA0A04FC94B}">
-              <ma14:wrappingTextBoxFlag xmlns:ma14="http://schemas.microsoft.com/office/mac/drawingml/2011/main" xmlns="" val="1"/>
+              <ma14:wrappingTextBoxFlag xmlns="" xmlns:ma14="http://schemas.microsoft.com/office/mac/drawingml/2011/main" val="1"/>
             </a:ext>
           </a:extLst>
         </p:spPr>
@@ -22045,7 +21989,7 @@
           </a:ln>
           <a:extLst>
             <a:ext uri="{C572A759-6A51-4108-AA02-DFA0A04FC94B}">
-              <ma14:wrappingTextBoxFlag xmlns:ma14="http://schemas.microsoft.com/office/mac/drawingml/2011/main" xmlns="" val="1"/>
+              <ma14:wrappingTextBoxFlag xmlns="" xmlns:ma14="http://schemas.microsoft.com/office/mac/drawingml/2011/main" val="1"/>
             </a:ext>
           </a:extLst>
         </p:spPr>
@@ -22284,9 +22228,7 @@
             <p:nvPr/>
           </p:nvPicPr>
           <p:blipFill>
-            <a:blip r:embed="rId2">
-              <a:extLst/>
-            </a:blip>
+            <a:blip r:embed="rId2"/>
             <a:srcRect l="93441" b="66539"/>
             <a:stretch>
               <a:fillRect/>
@@ -22361,7 +22303,7 @@
           </a:prstGeom>
           <a:extLst>
             <a:ext uri="{C572A759-6A51-4108-AA02-DFA0A04FC94B}">
-              <ma14:wrappingTextBoxFlag xmlns:ma14="http://schemas.microsoft.com/office/mac/drawingml/2011/main" xmlns="" val="1"/>
+              <ma14:wrappingTextBoxFlag xmlns="" xmlns:ma14="http://schemas.microsoft.com/office/mac/drawingml/2011/main" val="1"/>
             </a:ext>
           </a:extLst>
         </p:spPr>
@@ -22407,7 +22349,7 @@
           </a:ln>
           <a:extLst>
             <a:ext uri="{C572A759-6A51-4108-AA02-DFA0A04FC94B}">
-              <ma14:wrappingTextBoxFlag xmlns:ma14="http://schemas.microsoft.com/office/mac/drawingml/2011/main" xmlns="" val="1"/>
+              <ma14:wrappingTextBoxFlag xmlns="" xmlns:ma14="http://schemas.microsoft.com/office/mac/drawingml/2011/main" val="1"/>
             </a:ext>
           </a:extLst>
         </p:spPr>
@@ -22689,9 +22631,7 @@
             <p:nvPr/>
           </p:nvPicPr>
           <p:blipFill>
-            <a:blip r:embed="rId2">
-              <a:extLst/>
-            </a:blip>
+            <a:blip r:embed="rId2"/>
             <a:srcRect l="93441" b="66539"/>
             <a:stretch>
               <a:fillRect/>
@@ -22766,7 +22706,7 @@
           </a:prstGeom>
           <a:extLst>
             <a:ext uri="{C572A759-6A51-4108-AA02-DFA0A04FC94B}">
-              <ma14:wrappingTextBoxFlag xmlns:ma14="http://schemas.microsoft.com/office/mac/drawingml/2011/main" xmlns="" val="1"/>
+              <ma14:wrappingTextBoxFlag xmlns="" xmlns:ma14="http://schemas.microsoft.com/office/mac/drawingml/2011/main" val="1"/>
             </a:ext>
           </a:extLst>
         </p:spPr>
@@ -22812,7 +22752,7 @@
           </a:ln>
           <a:extLst>
             <a:ext uri="{C572A759-6A51-4108-AA02-DFA0A04FC94B}">
-              <ma14:wrappingTextBoxFlag xmlns:ma14="http://schemas.microsoft.com/office/mac/drawingml/2011/main" xmlns="" val="1"/>
+              <ma14:wrappingTextBoxFlag xmlns="" xmlns:ma14="http://schemas.microsoft.com/office/mac/drawingml/2011/main" val="1"/>
             </a:ext>
           </a:extLst>
         </p:spPr>
@@ -22959,7 +22899,7 @@
           </a:ln>
           <a:extLst>
             <a:ext uri="{C572A759-6A51-4108-AA02-DFA0A04FC94B}">
-              <ma14:wrappingTextBoxFlag xmlns:ma14="http://schemas.microsoft.com/office/mac/drawingml/2011/main" xmlns="" val="1"/>
+              <ma14:wrappingTextBoxFlag xmlns="" xmlns:ma14="http://schemas.microsoft.com/office/mac/drawingml/2011/main" val="1"/>
             </a:ext>
           </a:extLst>
         </p:spPr>
@@ -23193,9 +23133,7 @@
             <p:nvPr/>
           </p:nvPicPr>
           <p:blipFill>
-            <a:blip r:embed="rId2">
-              <a:extLst/>
-            </a:blip>
+            <a:blip r:embed="rId2"/>
             <a:srcRect l="93441" b="66539"/>
             <a:stretch>
               <a:fillRect/>
@@ -23270,7 +23208,7 @@
           </a:prstGeom>
           <a:extLst>
             <a:ext uri="{C572A759-6A51-4108-AA02-DFA0A04FC94B}">
-              <ma14:wrappingTextBoxFlag xmlns:ma14="http://schemas.microsoft.com/office/mac/drawingml/2011/main" xmlns="" val="1"/>
+              <ma14:wrappingTextBoxFlag xmlns="" xmlns:ma14="http://schemas.microsoft.com/office/mac/drawingml/2011/main" val="1"/>
             </a:ext>
           </a:extLst>
         </p:spPr>
@@ -23316,7 +23254,7 @@
           </a:ln>
           <a:extLst>
             <a:ext uri="{C572A759-6A51-4108-AA02-DFA0A04FC94B}">
-              <ma14:wrappingTextBoxFlag xmlns:ma14="http://schemas.microsoft.com/office/mac/drawingml/2011/main" xmlns="" val="1"/>
+              <ma14:wrappingTextBoxFlag xmlns="" xmlns:ma14="http://schemas.microsoft.com/office/mac/drawingml/2011/main" val="1"/>
             </a:ext>
           </a:extLst>
         </p:spPr>
@@ -23444,7 +23382,7 @@
           </a:ln>
           <a:extLst>
             <a:ext uri="{C572A759-6A51-4108-AA02-DFA0A04FC94B}">
-              <ma14:wrappingTextBoxFlag xmlns:ma14="http://schemas.microsoft.com/office/mac/drawingml/2011/main" xmlns="" val="1"/>
+              <ma14:wrappingTextBoxFlag xmlns="" xmlns:ma14="http://schemas.microsoft.com/office/mac/drawingml/2011/main" val="1"/>
             </a:ext>
           </a:extLst>
         </p:spPr>
@@ -23826,7 +23764,7 @@
           </a:prstGeom>
           <a:extLst>
             <a:ext uri="{C572A759-6A51-4108-AA02-DFA0A04FC94B}">
-              <ma14:wrappingTextBoxFlag xmlns:ma14="http://schemas.microsoft.com/office/mac/drawingml/2011/main" xmlns="" val="1"/>
+              <ma14:wrappingTextBoxFlag xmlns="" xmlns:ma14="http://schemas.microsoft.com/office/mac/drawingml/2011/main" val="1"/>
             </a:ext>
           </a:extLst>
         </p:spPr>
@@ -23923,9 +23861,7 @@
             <p:nvPr/>
           </p:nvPicPr>
           <p:blipFill>
-            <a:blip r:embed="rId2">
-              <a:extLst/>
-            </a:blip>
+            <a:blip r:embed="rId2"/>
             <a:srcRect l="93441" b="66539"/>
             <a:stretch>
               <a:fillRect/>
@@ -24000,7 +23936,7 @@
           </a:prstGeom>
           <a:extLst>
             <a:ext uri="{C572A759-6A51-4108-AA02-DFA0A04FC94B}">
-              <ma14:wrappingTextBoxFlag xmlns:ma14="http://schemas.microsoft.com/office/mac/drawingml/2011/main" xmlns="" val="1"/>
+              <ma14:wrappingTextBoxFlag xmlns="" xmlns:ma14="http://schemas.microsoft.com/office/mac/drawingml/2011/main" val="1"/>
             </a:ext>
           </a:extLst>
         </p:spPr>
@@ -24046,7 +23982,7 @@
           </a:ln>
           <a:extLst>
             <a:ext uri="{C572A759-6A51-4108-AA02-DFA0A04FC94B}">
-              <ma14:wrappingTextBoxFlag xmlns:ma14="http://schemas.microsoft.com/office/mac/drawingml/2011/main" xmlns="" val="1"/>
+              <ma14:wrappingTextBoxFlag xmlns="" xmlns:ma14="http://schemas.microsoft.com/office/mac/drawingml/2011/main" val="1"/>
             </a:ext>
           </a:extLst>
         </p:spPr>
@@ -24385,9 +24321,7 @@
             <p:nvPr/>
           </p:nvPicPr>
           <p:blipFill>
-            <a:blip r:embed="rId2">
-              <a:extLst/>
-            </a:blip>
+            <a:blip r:embed="rId2"/>
             <a:srcRect l="93441" b="66539"/>
             <a:stretch>
               <a:fillRect/>
@@ -24524,7 +24458,7 @@
           </a:prstGeom>
           <a:extLst>
             <a:ext uri="{C572A759-6A51-4108-AA02-DFA0A04FC94B}">
-              <ma14:wrappingTextBoxFlag xmlns:ma14="http://schemas.microsoft.com/office/mac/drawingml/2011/main" xmlns="" val="1"/>
+              <ma14:wrappingTextBoxFlag xmlns="" xmlns:ma14="http://schemas.microsoft.com/office/mac/drawingml/2011/main" val="1"/>
             </a:ext>
           </a:extLst>
         </p:spPr>
@@ -24570,7 +24504,7 @@
           </a:ln>
           <a:extLst>
             <a:ext uri="{C572A759-6A51-4108-AA02-DFA0A04FC94B}">
-              <ma14:wrappingTextBoxFlag xmlns:ma14="http://schemas.microsoft.com/office/mac/drawingml/2011/main" xmlns="" val="1"/>
+              <ma14:wrappingTextBoxFlag xmlns="" xmlns:ma14="http://schemas.microsoft.com/office/mac/drawingml/2011/main" val="1"/>
             </a:ext>
           </a:extLst>
         </p:spPr>
@@ -25192,9 +25126,7 @@
             <p:nvPr/>
           </p:nvPicPr>
           <p:blipFill>
-            <a:blip r:embed="rId2">
-              <a:extLst/>
-            </a:blip>
+            <a:blip r:embed="rId2"/>
             <a:srcRect l="93441" b="66539"/>
             <a:stretch>
               <a:fillRect/>
@@ -25269,7 +25201,7 @@
           </a:prstGeom>
           <a:extLst>
             <a:ext uri="{C572A759-6A51-4108-AA02-DFA0A04FC94B}">
-              <ma14:wrappingTextBoxFlag xmlns:ma14="http://schemas.microsoft.com/office/mac/drawingml/2011/main" xmlns="" val="1"/>
+              <ma14:wrappingTextBoxFlag xmlns="" xmlns:ma14="http://schemas.microsoft.com/office/mac/drawingml/2011/main" val="1"/>
             </a:ext>
           </a:extLst>
         </p:spPr>
@@ -25315,7 +25247,7 @@
           </a:ln>
           <a:extLst>
             <a:ext uri="{C572A759-6A51-4108-AA02-DFA0A04FC94B}">
-              <ma14:wrappingTextBoxFlag xmlns:ma14="http://schemas.microsoft.com/office/mac/drawingml/2011/main" xmlns="" val="1"/>
+              <ma14:wrappingTextBoxFlag xmlns="" xmlns:ma14="http://schemas.microsoft.com/office/mac/drawingml/2011/main" val="1"/>
             </a:ext>
           </a:extLst>
         </p:spPr>
@@ -25663,9 +25595,7 @@
             <p:nvPr/>
           </p:nvPicPr>
           <p:blipFill>
-            <a:blip r:embed="rId2">
-              <a:extLst/>
-            </a:blip>
+            <a:blip r:embed="rId2"/>
             <a:srcRect l="93441" b="66539"/>
             <a:stretch>
               <a:fillRect/>
@@ -25740,7 +25670,7 @@
           </a:prstGeom>
           <a:extLst>
             <a:ext uri="{C572A759-6A51-4108-AA02-DFA0A04FC94B}">
-              <ma14:wrappingTextBoxFlag xmlns:ma14="http://schemas.microsoft.com/office/mac/drawingml/2011/main" xmlns="" val="1"/>
+              <ma14:wrappingTextBoxFlag xmlns="" xmlns:ma14="http://schemas.microsoft.com/office/mac/drawingml/2011/main" val="1"/>
             </a:ext>
           </a:extLst>
         </p:spPr>
@@ -25781,7 +25711,7 @@
           </a:ln>
           <a:extLst>
             <a:ext uri="{C572A759-6A51-4108-AA02-DFA0A04FC94B}">
-              <ma14:wrappingTextBoxFlag xmlns:ma14="http://schemas.microsoft.com/office/mac/drawingml/2011/main" xmlns="" val="1"/>
+              <ma14:wrappingTextBoxFlag xmlns="" xmlns:ma14="http://schemas.microsoft.com/office/mac/drawingml/2011/main" val="1"/>
             </a:ext>
           </a:extLst>
         </p:spPr>
@@ -26005,9 +25935,7 @@
           <p:nvPr/>
         </p:nvPicPr>
         <p:blipFill>
-          <a:blip r:embed="rId3">
-            <a:extLst/>
-          </a:blip>
+          <a:blip r:embed="rId3"/>
           <a:stretch>
             <a:fillRect/>
           </a:stretch>
@@ -26184,9 +26112,7 @@
             <p:nvPr/>
           </p:nvPicPr>
           <p:blipFill>
-            <a:blip r:embed="rId2">
-              <a:extLst/>
-            </a:blip>
+            <a:blip r:embed="rId2"/>
             <a:srcRect l="93441" b="66539"/>
             <a:stretch>
               <a:fillRect/>
@@ -26261,7 +26187,7 @@
           </a:prstGeom>
           <a:extLst>
             <a:ext uri="{C572A759-6A51-4108-AA02-DFA0A04FC94B}">
-              <ma14:wrappingTextBoxFlag xmlns:ma14="http://schemas.microsoft.com/office/mac/drawingml/2011/main" xmlns="" val="1"/>
+              <ma14:wrappingTextBoxFlag xmlns="" xmlns:ma14="http://schemas.microsoft.com/office/mac/drawingml/2011/main" val="1"/>
             </a:ext>
           </a:extLst>
         </p:spPr>
@@ -26307,7 +26233,7 @@
           </a:ln>
           <a:extLst>
             <a:ext uri="{C572A759-6A51-4108-AA02-DFA0A04FC94B}">
-              <ma14:wrappingTextBoxFlag xmlns:ma14="http://schemas.microsoft.com/office/mac/drawingml/2011/main" xmlns="" val="1"/>
+              <ma14:wrappingTextBoxFlag xmlns="" xmlns:ma14="http://schemas.microsoft.com/office/mac/drawingml/2011/main" val="1"/>
             </a:ext>
           </a:extLst>
         </p:spPr>
@@ -26700,7 +26626,7 @@
           </a:prstGeom>
           <a:extLst>
             <a:ext uri="{C572A759-6A51-4108-AA02-DFA0A04FC94B}">
-              <ma14:wrappingTextBoxFlag xmlns:ma14="http://schemas.microsoft.com/office/mac/drawingml/2011/main" xmlns="" val="1"/>
+              <ma14:wrappingTextBoxFlag xmlns="" xmlns:ma14="http://schemas.microsoft.com/office/mac/drawingml/2011/main" val="1"/>
             </a:ext>
           </a:extLst>
         </p:spPr>
@@ -26797,9 +26723,7 @@
             <p:nvPr/>
           </p:nvPicPr>
           <p:blipFill>
-            <a:blip r:embed="rId2">
-              <a:extLst/>
-            </a:blip>
+            <a:blip r:embed="rId2"/>
             <a:srcRect l="93441" b="66539"/>
             <a:stretch>
               <a:fillRect/>
@@ -26874,7 +26798,7 @@
           </a:prstGeom>
           <a:extLst>
             <a:ext uri="{C572A759-6A51-4108-AA02-DFA0A04FC94B}">
-              <ma14:wrappingTextBoxFlag xmlns:ma14="http://schemas.microsoft.com/office/mac/drawingml/2011/main" xmlns="" val="1"/>
+              <ma14:wrappingTextBoxFlag xmlns="" xmlns:ma14="http://schemas.microsoft.com/office/mac/drawingml/2011/main" val="1"/>
             </a:ext>
           </a:extLst>
         </p:spPr>
@@ -26920,7 +26844,7 @@
           </a:ln>
           <a:extLst>
             <a:ext uri="{C572A759-6A51-4108-AA02-DFA0A04FC94B}">
-              <ma14:wrappingTextBoxFlag xmlns:ma14="http://schemas.microsoft.com/office/mac/drawingml/2011/main" xmlns="" val="1"/>
+              <ma14:wrappingTextBoxFlag xmlns="" xmlns:ma14="http://schemas.microsoft.com/office/mac/drawingml/2011/main" val="1"/>
             </a:ext>
           </a:extLst>
         </p:spPr>
@@ -27034,7 +26958,7 @@
           </a:ln>
           <a:extLst>
             <a:ext uri="{C572A759-6A51-4108-AA02-DFA0A04FC94B}">
-              <ma14:wrappingTextBoxFlag xmlns:ma14="http://schemas.microsoft.com/office/mac/drawingml/2011/main" xmlns="" val="1"/>
+              <ma14:wrappingTextBoxFlag xmlns="" xmlns:ma14="http://schemas.microsoft.com/office/mac/drawingml/2011/main" val="1"/>
             </a:ext>
           </a:extLst>
         </p:spPr>
@@ -27229,7 +27153,7 @@
           </a:prstGeom>
           <a:extLst>
             <a:ext uri="{C572A759-6A51-4108-AA02-DFA0A04FC94B}">
-              <ma14:wrappingTextBoxFlag xmlns:ma14="http://schemas.microsoft.com/office/mac/drawingml/2011/main" xmlns="" val="1"/>
+              <ma14:wrappingTextBoxFlag xmlns="" xmlns:ma14="http://schemas.microsoft.com/office/mac/drawingml/2011/main" val="1"/>
             </a:ext>
           </a:extLst>
         </p:spPr>
@@ -27253,9 +27177,7 @@
           <p:nvPr/>
         </p:nvPicPr>
         <p:blipFill>
-          <a:blip r:embed="rId2">
-            <a:extLst/>
-          </a:blip>
+          <a:blip r:embed="rId2"/>
           <a:stretch>
             <a:fillRect/>
           </a:stretch>
@@ -27355,9 +27277,7 @@
             <p:nvPr/>
           </p:nvPicPr>
           <p:blipFill>
-            <a:blip r:embed="rId2">
-              <a:extLst/>
-            </a:blip>
+            <a:blip r:embed="rId2"/>
             <a:srcRect l="93441" b="66539"/>
             <a:stretch>
               <a:fillRect/>
@@ -27432,7 +27352,7 @@
           </a:prstGeom>
           <a:extLst>
             <a:ext uri="{C572A759-6A51-4108-AA02-DFA0A04FC94B}">
-              <ma14:wrappingTextBoxFlag xmlns:ma14="http://schemas.microsoft.com/office/mac/drawingml/2011/main" xmlns="" val="1"/>
+              <ma14:wrappingTextBoxFlag xmlns="" xmlns:ma14="http://schemas.microsoft.com/office/mac/drawingml/2011/main" val="1"/>
             </a:ext>
           </a:extLst>
         </p:spPr>
@@ -27473,7 +27393,7 @@
           </a:ln>
           <a:extLst>
             <a:ext uri="{C572A759-6A51-4108-AA02-DFA0A04FC94B}">
-              <ma14:wrappingTextBoxFlag xmlns:ma14="http://schemas.microsoft.com/office/mac/drawingml/2011/main" xmlns="" val="1"/>
+              <ma14:wrappingTextBoxFlag xmlns="" xmlns:ma14="http://schemas.microsoft.com/office/mac/drawingml/2011/main" val="1"/>
             </a:ext>
           </a:extLst>
         </p:spPr>
@@ -27887,9 +27807,7 @@
             <p:nvPr/>
           </p:nvPicPr>
           <p:blipFill>
-            <a:blip r:embed="rId2">
-              <a:extLst/>
-            </a:blip>
+            <a:blip r:embed="rId2"/>
             <a:srcRect l="93441" b="66539"/>
             <a:stretch>
               <a:fillRect/>
@@ -27964,7 +27882,7 @@
           </a:prstGeom>
           <a:extLst>
             <a:ext uri="{C572A759-6A51-4108-AA02-DFA0A04FC94B}">
-              <ma14:wrappingTextBoxFlag xmlns:ma14="http://schemas.microsoft.com/office/mac/drawingml/2011/main" xmlns="" val="1"/>
+              <ma14:wrappingTextBoxFlag xmlns="" xmlns:ma14="http://schemas.microsoft.com/office/mac/drawingml/2011/main" val="1"/>
             </a:ext>
           </a:extLst>
         </p:spPr>
@@ -28005,7 +27923,7 @@
           </a:ln>
           <a:extLst>
             <a:ext uri="{C572A759-6A51-4108-AA02-DFA0A04FC94B}">
-              <ma14:wrappingTextBoxFlag xmlns:ma14="http://schemas.microsoft.com/office/mac/drawingml/2011/main" xmlns="" val="1"/>
+              <ma14:wrappingTextBoxFlag xmlns="" xmlns:ma14="http://schemas.microsoft.com/office/mac/drawingml/2011/main" val="1"/>
             </a:ext>
           </a:extLst>
         </p:spPr>
@@ -28299,9 +28217,7 @@
             <p:nvPr/>
           </p:nvPicPr>
           <p:blipFill>
-            <a:blip r:embed="rId2">
-              <a:extLst/>
-            </a:blip>
+            <a:blip r:embed="rId2"/>
             <a:srcRect l="93441" b="66539"/>
             <a:stretch>
               <a:fillRect/>
@@ -28376,7 +28292,7 @@
           </a:prstGeom>
           <a:extLst>
             <a:ext uri="{C572A759-6A51-4108-AA02-DFA0A04FC94B}">
-              <ma14:wrappingTextBoxFlag xmlns:ma14="http://schemas.microsoft.com/office/mac/drawingml/2011/main" xmlns="" val="1"/>
+              <ma14:wrappingTextBoxFlag xmlns="" xmlns:ma14="http://schemas.microsoft.com/office/mac/drawingml/2011/main" val="1"/>
             </a:ext>
           </a:extLst>
         </p:spPr>
@@ -28422,7 +28338,7 @@
           </a:ln>
           <a:extLst>
             <a:ext uri="{C572A759-6A51-4108-AA02-DFA0A04FC94B}">
-              <ma14:wrappingTextBoxFlag xmlns:ma14="http://schemas.microsoft.com/office/mac/drawingml/2011/main" xmlns="" val="1"/>
+              <ma14:wrappingTextBoxFlag xmlns="" xmlns:ma14="http://schemas.microsoft.com/office/mac/drawingml/2011/main" val="1"/>
             </a:ext>
           </a:extLst>
         </p:spPr>
@@ -28881,7 +28797,7 @@
           </a:prstGeom>
           <a:extLst>
             <a:ext uri="{C572A759-6A51-4108-AA02-DFA0A04FC94B}">
-              <ma14:wrappingTextBoxFlag xmlns:ma14="http://schemas.microsoft.com/office/mac/drawingml/2011/main" xmlns="" val="1"/>
+              <ma14:wrappingTextBoxFlag xmlns="" xmlns:ma14="http://schemas.microsoft.com/office/mac/drawingml/2011/main" val="1"/>
             </a:ext>
           </a:extLst>
         </p:spPr>
@@ -29097,9 +29013,7 @@
             <p:nvPr/>
           </p:nvPicPr>
           <p:blipFill>
-            <a:blip r:embed="rId2">
-              <a:extLst/>
-            </a:blip>
+            <a:blip r:embed="rId2"/>
             <a:srcRect l="93441" b="66539"/>
             <a:stretch>
               <a:fillRect/>
@@ -29174,7 +29088,7 @@
           </a:prstGeom>
           <a:extLst>
             <a:ext uri="{C572A759-6A51-4108-AA02-DFA0A04FC94B}">
-              <ma14:wrappingTextBoxFlag xmlns:ma14="http://schemas.microsoft.com/office/mac/drawingml/2011/main" xmlns="" val="1"/>
+              <ma14:wrappingTextBoxFlag xmlns="" xmlns:ma14="http://schemas.microsoft.com/office/mac/drawingml/2011/main" val="1"/>
             </a:ext>
           </a:extLst>
         </p:spPr>
@@ -29220,7 +29134,7 @@
           </a:ln>
           <a:extLst>
             <a:ext uri="{C572A759-6A51-4108-AA02-DFA0A04FC94B}">
-              <ma14:wrappingTextBoxFlag xmlns:ma14="http://schemas.microsoft.com/office/mac/drawingml/2011/main" xmlns="" val="1"/>
+              <ma14:wrappingTextBoxFlag xmlns="" xmlns:ma14="http://schemas.microsoft.com/office/mac/drawingml/2011/main" val="1"/>
             </a:ext>
           </a:extLst>
         </p:spPr>
@@ -29422,7 +29336,7 @@
           </a:ln>
           <a:extLst>
             <a:ext uri="{C572A759-6A51-4108-AA02-DFA0A04FC94B}">
-              <ma14:wrappingTextBoxFlag xmlns:ma14="http://schemas.microsoft.com/office/mac/drawingml/2011/main" xmlns="" val="1"/>
+              <ma14:wrappingTextBoxFlag xmlns="" xmlns:ma14="http://schemas.microsoft.com/office/mac/drawingml/2011/main" val="1"/>
             </a:ext>
           </a:extLst>
         </p:spPr>
@@ -29656,9 +29570,7 @@
             <p:nvPr/>
           </p:nvPicPr>
           <p:blipFill>
-            <a:blip r:embed="rId2">
-              <a:extLst/>
-            </a:blip>
+            <a:blip r:embed="rId2"/>
             <a:srcRect l="93441" b="66539"/>
             <a:stretch>
               <a:fillRect/>
@@ -29733,7 +29645,7 @@
           </a:prstGeom>
           <a:extLst>
             <a:ext uri="{C572A759-6A51-4108-AA02-DFA0A04FC94B}">
-              <ma14:wrappingTextBoxFlag xmlns:ma14="http://schemas.microsoft.com/office/mac/drawingml/2011/main" xmlns="" val="1"/>
+              <ma14:wrappingTextBoxFlag xmlns="" xmlns:ma14="http://schemas.microsoft.com/office/mac/drawingml/2011/main" val="1"/>
             </a:ext>
           </a:extLst>
         </p:spPr>
@@ -29779,7 +29691,7 @@
           </a:ln>
           <a:extLst>
             <a:ext uri="{C572A759-6A51-4108-AA02-DFA0A04FC94B}">
-              <ma14:wrappingTextBoxFlag xmlns:ma14="http://schemas.microsoft.com/office/mac/drawingml/2011/main" xmlns="" val="1"/>
+              <ma14:wrappingTextBoxFlag xmlns="" xmlns:ma14="http://schemas.microsoft.com/office/mac/drawingml/2011/main" val="1"/>
             </a:ext>
           </a:extLst>
         </p:spPr>
@@ -29907,7 +29819,7 @@
           </a:ln>
           <a:extLst>
             <a:ext uri="{C572A759-6A51-4108-AA02-DFA0A04FC94B}">
-              <ma14:wrappingTextBoxFlag xmlns:ma14="http://schemas.microsoft.com/office/mac/drawingml/2011/main" xmlns="" val="1"/>
+              <ma14:wrappingTextBoxFlag xmlns="" xmlns:ma14="http://schemas.microsoft.com/office/mac/drawingml/2011/main" val="1"/>
             </a:ext>
           </a:extLst>
         </p:spPr>
@@ -29956,7 +29868,7 @@
           </a:ln>
           <a:extLst>
             <a:ext uri="{C572A759-6A51-4108-AA02-DFA0A04FC94B}">
-              <ma14:wrappingTextBoxFlag xmlns:ma14="http://schemas.microsoft.com/office/mac/drawingml/2011/main" xmlns="" val="1"/>
+              <ma14:wrappingTextBoxFlag xmlns="" xmlns:ma14="http://schemas.microsoft.com/office/mac/drawingml/2011/main" val="1"/>
             </a:ext>
           </a:extLst>
         </p:spPr>
@@ -30241,9 +30153,7 @@
             <p:nvPr/>
           </p:nvPicPr>
           <p:blipFill>
-            <a:blip r:embed="rId2">
-              <a:extLst/>
-            </a:blip>
+            <a:blip r:embed="rId2"/>
             <a:srcRect l="93441" b="66539"/>
             <a:stretch>
               <a:fillRect/>
@@ -30318,7 +30228,7 @@
           </a:prstGeom>
           <a:extLst>
             <a:ext uri="{C572A759-6A51-4108-AA02-DFA0A04FC94B}">
-              <ma14:wrappingTextBoxFlag xmlns:ma14="http://schemas.microsoft.com/office/mac/drawingml/2011/main" xmlns="" val="1"/>
+              <ma14:wrappingTextBoxFlag xmlns="" xmlns:ma14="http://schemas.microsoft.com/office/mac/drawingml/2011/main" val="1"/>
             </a:ext>
           </a:extLst>
         </p:spPr>
@@ -30359,7 +30269,7 @@
           </a:ln>
           <a:extLst>
             <a:ext uri="{C572A759-6A51-4108-AA02-DFA0A04FC94B}">
-              <ma14:wrappingTextBoxFlag xmlns:ma14="http://schemas.microsoft.com/office/mac/drawingml/2011/main" xmlns="" val="1"/>
+              <ma14:wrappingTextBoxFlag xmlns="" xmlns:ma14="http://schemas.microsoft.com/office/mac/drawingml/2011/main" val="1"/>
             </a:ext>
           </a:extLst>
         </p:spPr>
@@ -30712,7 +30622,7 @@
           </a:prstGeom>
           <a:extLst>
             <a:ext uri="{C572A759-6A51-4108-AA02-DFA0A04FC94B}">
-              <ma14:wrappingTextBoxFlag xmlns:ma14="http://schemas.microsoft.com/office/mac/drawingml/2011/main" xmlns="" val="1"/>
+              <ma14:wrappingTextBoxFlag xmlns="" xmlns:ma14="http://schemas.microsoft.com/office/mac/drawingml/2011/main" val="1"/>
             </a:ext>
           </a:extLst>
         </p:spPr>
@@ -30833,9 +30743,7 @@
             <p:nvPr/>
           </p:nvPicPr>
           <p:blipFill>
-            <a:blip r:embed="rId2">
-              <a:extLst/>
-            </a:blip>
+            <a:blip r:embed="rId2"/>
             <a:srcRect l="93441" b="66539"/>
             <a:stretch>
               <a:fillRect/>
@@ -31202,7 +31110,7 @@
           </a:prstGeom>
           <a:extLst>
             <a:ext uri="{C572A759-6A51-4108-AA02-DFA0A04FC94B}">
-              <ma14:wrappingTextBoxFlag xmlns:ma14="http://schemas.microsoft.com/office/mac/drawingml/2011/main" xmlns="" val="1"/>
+              <ma14:wrappingTextBoxFlag xmlns="" xmlns:ma14="http://schemas.microsoft.com/office/mac/drawingml/2011/main" val="1"/>
             </a:ext>
           </a:extLst>
         </p:spPr>
@@ -31306,9 +31214,7 @@
             <p:nvPr/>
           </p:nvPicPr>
           <p:blipFill>
-            <a:blip r:embed="rId2">
-              <a:extLst/>
-            </a:blip>
+            <a:blip r:embed="rId2"/>
             <a:srcRect l="93441" b="66539"/>
             <a:stretch>
               <a:fillRect/>
@@ -31583,7 +31489,7 @@
           </a:prstGeom>
           <a:extLst>
             <a:ext uri="{C572A759-6A51-4108-AA02-DFA0A04FC94B}">
-              <ma14:wrappingTextBoxFlag xmlns:ma14="http://schemas.microsoft.com/office/mac/drawingml/2011/main" xmlns="" val="1"/>
+              <ma14:wrappingTextBoxFlag xmlns="" xmlns:ma14="http://schemas.microsoft.com/office/mac/drawingml/2011/main" val="1"/>
             </a:ext>
           </a:extLst>
         </p:spPr>
@@ -31702,7 +31608,7 @@
           </a:prstGeom>
           <a:extLst>
             <a:ext uri="{C572A759-6A51-4108-AA02-DFA0A04FC94B}">
-              <ma14:wrappingTextBoxFlag xmlns:ma14="http://schemas.microsoft.com/office/mac/drawingml/2011/main" xmlns="" val="1"/>
+              <ma14:wrappingTextBoxFlag xmlns="" xmlns:ma14="http://schemas.microsoft.com/office/mac/drawingml/2011/main" val="1"/>
             </a:ext>
           </a:extLst>
         </p:spPr>
@@ -31799,9 +31705,7 @@
             <p:nvPr/>
           </p:nvPicPr>
           <p:blipFill>
-            <a:blip r:embed="rId2">
-              <a:extLst/>
-            </a:blip>
+            <a:blip r:embed="rId2"/>
             <a:srcRect l="93441" b="66539"/>
             <a:stretch>
               <a:fillRect/>
@@ -31870,7 +31774,7 @@
           </a:prstGeom>
           <a:extLst>
             <a:ext uri="{C572A759-6A51-4108-AA02-DFA0A04FC94B}">
-              <ma14:wrappingTextBoxFlag xmlns:ma14="http://schemas.microsoft.com/office/mac/drawingml/2011/main" xmlns="" val="1"/>
+              <ma14:wrappingTextBoxFlag xmlns="" xmlns:ma14="http://schemas.microsoft.com/office/mac/drawingml/2011/main" val="1"/>
             </a:ext>
           </a:extLst>
         </p:spPr>
@@ -31916,7 +31820,7 @@
           </a:ln>
           <a:extLst>
             <a:ext uri="{C572A759-6A51-4108-AA02-DFA0A04FC94B}">
-              <ma14:wrappingTextBoxFlag xmlns:ma14="http://schemas.microsoft.com/office/mac/drawingml/2011/main" xmlns="" val="1"/>
+              <ma14:wrappingTextBoxFlag xmlns="" xmlns:ma14="http://schemas.microsoft.com/office/mac/drawingml/2011/main" val="1"/>
             </a:ext>
           </a:extLst>
         </p:spPr>
@@ -32005,7 +31909,7 @@
           </a:ln>
           <a:extLst>
             <a:ext uri="{C572A759-6A51-4108-AA02-DFA0A04FC94B}">
-              <ma14:wrappingTextBoxFlag xmlns:ma14="http://schemas.microsoft.com/office/mac/drawingml/2011/main" xmlns="" val="1"/>
+              <ma14:wrappingTextBoxFlag xmlns="" xmlns:ma14="http://schemas.microsoft.com/office/mac/drawingml/2011/main" val="1"/>
             </a:ext>
           </a:extLst>
         </p:spPr>
@@ -32554,9 +32458,7 @@
             <p:nvPr/>
           </p:nvPicPr>
           <p:blipFill>
-            <a:blip r:embed="rId2">
-              <a:extLst/>
-            </a:blip>
+            <a:blip r:embed="rId2"/>
             <a:srcRect l="93441" b="66539"/>
             <a:stretch>
               <a:fillRect/>
@@ -32629,7 +32531,7 @@
           </a:prstGeom>
           <a:extLst>
             <a:ext uri="{C572A759-6A51-4108-AA02-DFA0A04FC94B}">
-              <ma14:wrappingTextBoxFlag xmlns:ma14="http://schemas.microsoft.com/office/mac/drawingml/2011/main" xmlns="" val="1"/>
+              <ma14:wrappingTextBoxFlag xmlns="" xmlns:ma14="http://schemas.microsoft.com/office/mac/drawingml/2011/main" val="1"/>
             </a:ext>
           </a:extLst>
         </p:spPr>
@@ -32675,7 +32577,7 @@
           </a:ln>
           <a:extLst>
             <a:ext uri="{C572A759-6A51-4108-AA02-DFA0A04FC94B}">
-              <ma14:wrappingTextBoxFlag xmlns:ma14="http://schemas.microsoft.com/office/mac/drawingml/2011/main" xmlns="" val="1"/>
+              <ma14:wrappingTextBoxFlag xmlns="" xmlns:ma14="http://schemas.microsoft.com/office/mac/drawingml/2011/main" val="1"/>
             </a:ext>
           </a:extLst>
         </p:spPr>
@@ -32772,7 +32674,7 @@
           </a:ln>
           <a:extLst>
             <a:ext uri="{C572A759-6A51-4108-AA02-DFA0A04FC94B}">
-              <ma14:wrappingTextBoxFlag xmlns:ma14="http://schemas.microsoft.com/office/mac/drawingml/2011/main" xmlns="" val="1"/>
+              <ma14:wrappingTextBoxFlag xmlns="" xmlns:ma14="http://schemas.microsoft.com/office/mac/drawingml/2011/main" val="1"/>
             </a:ext>
           </a:extLst>
         </p:spPr>
@@ -33341,9 +33243,7 @@
             <p:nvPr/>
           </p:nvPicPr>
           <p:blipFill>
-            <a:blip r:embed="rId2">
-              <a:extLst/>
-            </a:blip>
+            <a:blip r:embed="rId2"/>
             <a:srcRect l="93441" b="66539"/>
             <a:stretch>
               <a:fillRect/>
@@ -33420,7 +33320,7 @@
           </a:prstGeom>
           <a:extLst>
             <a:ext uri="{C572A759-6A51-4108-AA02-DFA0A04FC94B}">
-              <ma14:wrappingTextBoxFlag xmlns:ma14="http://schemas.microsoft.com/office/mac/drawingml/2011/main" xmlns="" val="1"/>
+              <ma14:wrappingTextBoxFlag xmlns="" xmlns:ma14="http://schemas.microsoft.com/office/mac/drawingml/2011/main" val="1"/>
             </a:ext>
           </a:extLst>
         </p:spPr>
@@ -33466,7 +33366,7 @@
           </a:ln>
           <a:extLst>
             <a:ext uri="{C572A759-6A51-4108-AA02-DFA0A04FC94B}">
-              <ma14:wrappingTextBoxFlag xmlns:ma14="http://schemas.microsoft.com/office/mac/drawingml/2011/main" xmlns="" val="1"/>
+              <ma14:wrappingTextBoxFlag xmlns="" xmlns:ma14="http://schemas.microsoft.com/office/mac/drawingml/2011/main" val="1"/>
             </a:ext>
           </a:extLst>
         </p:spPr>
@@ -33563,7 +33463,7 @@
           </a:ln>
           <a:extLst>
             <a:ext uri="{C572A759-6A51-4108-AA02-DFA0A04FC94B}">
-              <ma14:wrappingTextBoxFlag xmlns:ma14="http://schemas.microsoft.com/office/mac/drawingml/2011/main" xmlns="" val="1"/>
+              <ma14:wrappingTextBoxFlag xmlns="" xmlns:ma14="http://schemas.microsoft.com/office/mac/drawingml/2011/main" val="1"/>
             </a:ext>
           </a:extLst>
         </p:spPr>
